--- a/QAPYTH3/DG_12_Error_Handling_and_Exceptions.pptx
+++ b/QAPYTH3/DG_12_Error_Handling_and_Exceptions.pptx
@@ -35,22 +35,15 @@
   <p:notesSz cx="6645275" cy="9775825"/>
   <p:embeddedFontLst>
     <p:embeddedFont>
-      <p:font typeface="Calibri" panose="020F0502020204030204" pitchFamily="34" charset="0"/>
+      <p:font typeface="Montserrat" panose="00000500000000000000" pitchFamily="2" charset="0"/>
       <p:regular r:id="rId26"/>
       <p:bold r:id="rId27"/>
       <p:italic r:id="rId28"/>
       <p:boldItalic r:id="rId29"/>
     </p:embeddedFont>
-    <p:embeddedFont>
-      <p:font typeface="Montserrat" panose="00000500000000000000" pitchFamily="2" charset="0"/>
-      <p:regular r:id="rId30"/>
-      <p:bold r:id="rId31"/>
-      <p:italic r:id="rId32"/>
-      <p:boldItalic r:id="rId33"/>
-    </p:embeddedFont>
   </p:embeddedFontLst>
   <p:custDataLst>
-    <p:tags r:id="rId34"/>
+    <p:tags r:id="rId30"/>
   </p:custDataLst>
   <p:defaultTextStyle>
     <a:defPPr>
@@ -270,7 +263,7 @@
           <a:p>
             <a:fld id="{86D088FE-3E68-47FE-8BA4-634CD34BABBC}" type="datetimeFigureOut">
               <a:rPr lang="en-GB" smtClean="0"/>
-              <a:t>01/06/2023</a:t>
+              <a:t>31/01/2024</a:t>
             </a:fld>
             <a:endParaRPr lang="en-GB"/>
           </a:p>
@@ -440,7 +433,7 @@
             <a:fld id="{1D6B66C6-1E92-0F4E-A300-9D4ED1F0C23F}" type="datetimeFigureOut">
               <a:rPr lang="en-GB" smtClean="0"/>
               <a:pPr/>
-              <a:t>01/06/2023</a:t>
+              <a:t>31/01/2024</a:t>
             </a:fld>
             <a:endParaRPr lang="en-GB"/>
           </a:p>
@@ -891,7 +884,7 @@
             </a:r>
             <a:r>
               <a:rPr lang="en-GB" dirty="0"/>
-              <a:t> block is that this can contain tidying or exit code which must always be executed. It is particularly useful as an alternative to a destructor, since, as we saw earlier, </a:t>
+              <a:t> block is that this can contain tidying/teardown or exit code which must always be executed. It is particularly useful as an alternative to a destructor, since, as we saw earlier, </a:t>
             </a:r>
             <a:r>
               <a:rPr lang="en-GB" dirty="0">
@@ -905,6 +898,9 @@
             </a:r>
           </a:p>
           <a:p>
+            <a:endParaRPr lang="en-GB" dirty="0"/>
+          </a:p>
+          <a:p>
             <a:r>
               <a:rPr lang="en-GB" dirty="0"/>
               <a:t>It is also often used to release locks used, for example, in multithreading. If a lock is obtained in the </a:t>
@@ -987,6 +983,9 @@
               <a:rPr lang="en-GB" dirty="0"/>
               <a:t>) before trying to use or free them.</a:t>
             </a:r>
+          </a:p>
+          <a:p>
+            <a:endParaRPr lang="en-GB" dirty="0"/>
           </a:p>
           <a:p>
             <a:r>
@@ -1138,6 +1137,9 @@
               <a:rPr lang="en-GB" dirty="0"/>
               <a:t> block (if there is one).</a:t>
             </a:r>
+          </a:p>
+          <a:p>
+            <a:endParaRPr lang="en-GB" dirty="0"/>
           </a:p>
           <a:p>
             <a:r>
@@ -28963,10 +28965,6 @@
           <a:bodyPr/>
           <a:lstStyle/>
           <a:p>
-            <a:pPr marL="342900" indent="-342900">
-              <a:buFont typeface="Arial" panose="020B0604020202020204" pitchFamily="34" charset="0"/>
-              <a:buChar char="•"/>
-            </a:pPr>
             <a:r>
               <a:rPr lang="en-GB" b="1" dirty="0"/>
               <a:t>The </a:t>
@@ -28983,56 +28981,52 @@
             </a:r>
           </a:p>
           <a:p>
-            <a:pPr lvl="1">
+            <a:pPr marL="447675" lvl="1" indent="-265113">
               <a:buFont typeface="Arial" panose="020B0604020202020204" pitchFamily="34" charset="0"/>
               <a:buChar char="•"/>
             </a:pPr>
             <a:r>
-              <a:rPr lang="en-GB" dirty="0"/>
+              <a:rPr lang="en-GB" sz="1800" dirty="0"/>
               <a:t>Even if an exception occurs</a:t>
             </a:r>
           </a:p>
           <a:p>
-            <a:pPr lvl="1">
+            <a:pPr marL="447675" lvl="1" indent="-265113">
               <a:buFont typeface="Arial" panose="020B0604020202020204" pitchFamily="34" charset="0"/>
               <a:buChar char="•"/>
             </a:pPr>
             <a:r>
-              <a:rPr lang="en-GB" dirty="0"/>
+              <a:rPr lang="en-GB" sz="1800" dirty="0"/>
               <a:t>* </a:t>
             </a:r>
             <a:r>
-              <a:rPr lang="en-GB" dirty="0" err="1">
+              <a:rPr lang="en-GB" sz="1800" dirty="0" err="1">
                 <a:latin typeface="Courier New" panose="02070309020205020404" pitchFamily="49" charset="0"/>
               </a:rPr>
               <a:t>os</a:t>
             </a:r>
             <a:r>
-              <a:rPr lang="en-GB" dirty="0">
+              <a:rPr lang="en-GB" sz="1800" dirty="0">
                 <a:latin typeface="Courier New" panose="02070309020205020404" pitchFamily="49" charset="0"/>
               </a:rPr>
               <a:t>._exit()</a:t>
             </a:r>
             <a:r>
-              <a:rPr lang="en-GB" dirty="0"/>
+              <a:rPr lang="en-GB" sz="1800" dirty="0"/>
               <a:t> inside the </a:t>
             </a:r>
             <a:r>
-              <a:rPr lang="en-GB" dirty="0">
+              <a:rPr lang="en-GB" sz="1800" dirty="0">
                 <a:latin typeface="Courier New" panose="02070309020205020404" pitchFamily="49" charset="0"/>
               </a:rPr>
               <a:t>try</a:t>
             </a:r>
             <a:r>
-              <a:rPr lang="en-GB" dirty="0"/>
+              <a:rPr lang="en-GB" sz="1800" dirty="0"/>
               <a:t> block ignores the finally block</a:t>
             </a:r>
           </a:p>
           <a:p>
-            <a:pPr marL="342900" indent="-342900">
-              <a:buFont typeface="Arial" panose="020B0604020202020204" pitchFamily="34" charset="0"/>
-              <a:buChar char="•"/>
-            </a:pPr>
             <a:r>
               <a:rPr lang="en-GB" b="1" dirty="0"/>
               <a:t>The </a:t>
@@ -29068,7 +29062,7 @@
         </p:nvSpPr>
         <p:spPr bwMode="auto">
           <a:xfrm>
-            <a:off x="2118185" y="2889084"/>
+            <a:off x="817705" y="2889084"/>
             <a:ext cx="7232644" cy="2739211"/>
           </a:xfrm>
           <a:prstGeom prst="rect">
@@ -29088,7 +29082,13 @@
             <a:headEnd/>
             <a:tailEnd/>
           </a:ln>
-          <a:effectLst/>
+          <a:effectLst>
+            <a:outerShdw blurRad="50800" dist="38100" dir="2700000" algn="tl" rotWithShape="0">
+              <a:prstClr val="black">
+                <a:alpha val="40000"/>
+              </a:prstClr>
+            </a:outerShdw>
+          </a:effectLst>
         </p:spPr>
         <p:txBody>
           <a:bodyPr wrap="square">
@@ -29394,7 +29394,7 @@
         </p:nvSpPr>
         <p:spPr bwMode="auto">
           <a:xfrm>
-            <a:off x="7110758" y="5816545"/>
+            <a:off x="5397059" y="5706032"/>
             <a:ext cx="2653290" cy="584775"/>
           </a:xfrm>
           <a:prstGeom prst="rect">
@@ -29411,6 +29411,13 @@
             <a:headEnd/>
             <a:tailEnd/>
           </a:ln>
+          <a:effectLst>
+            <a:outerShdw blurRad="50800" dist="38100" dir="2700000" algn="tl" rotWithShape="0">
+              <a:prstClr val="black">
+                <a:alpha val="40000"/>
+              </a:prstClr>
+            </a:outerShdw>
+          </a:effectLst>
         </p:spPr>
         <p:txBody>
           <a:bodyPr wrap="none">
@@ -29554,6 +29561,36 @@
           </a:p>
         </p:txBody>
       </p:sp>
+      <p:pic>
+        <p:nvPicPr>
+          <p:cNvPr id="3" name="Picture 2">
+            <a:extLst>
+              <a:ext uri="{FF2B5EF4-FFF2-40B4-BE49-F238E27FC236}">
+                <a16:creationId xmlns:a16="http://schemas.microsoft.com/office/drawing/2014/main" id="{3BD33303-0B68-DC66-87AE-E34B5033F3F2}"/>
+              </a:ext>
+            </a:extLst>
+          </p:cNvPr>
+          <p:cNvPicPr>
+            <a:picLocks noChangeAspect="1"/>
+          </p:cNvPicPr>
+          <p:nvPr/>
+        </p:nvPicPr>
+        <p:blipFill>
+          <a:blip r:embed="rId3"/>
+          <a:stretch>
+            <a:fillRect/>
+          </a:stretch>
+        </p:blipFill>
+        <p:spPr>
+          <a:xfrm>
+            <a:off x="9754018" y="0"/>
+            <a:ext cx="2437982" cy="6849075"/>
+          </a:xfrm>
+          <a:prstGeom prst="rect">
+            <a:avLst/>
+          </a:prstGeom>
+        </p:spPr>
+      </p:pic>
     </p:spTree>
     <p:extLst>
       <p:ext uri="{BB962C8B-B14F-4D97-AF65-F5344CB8AC3E}">
@@ -29622,12 +29659,8 @@
           <a:bodyPr/>
           <a:lstStyle/>
           <a:p>
-            <a:pPr marL="342900" indent="-342900">
-              <a:buFont typeface="Arial" panose="020B0604020202020204" pitchFamily="34" charset="0"/>
-              <a:buChar char="•"/>
-            </a:pPr>
-            <a:r>
-              <a:rPr lang="en-GB" dirty="0"/>
+            <a:r>
+              <a:rPr lang="en-GB" b="1" dirty="0"/>
               <a:t>Either the except block or the else block is executed before the finally block</a:t>
             </a:r>
           </a:p>
@@ -29650,7 +29683,7 @@
         </p:nvSpPr>
         <p:spPr bwMode="auto">
           <a:xfrm>
-            <a:off x="2174876" y="1807664"/>
+            <a:off x="812997" y="1780668"/>
             <a:ext cx="7215437" cy="4278094"/>
           </a:xfrm>
           <a:prstGeom prst="rect">
@@ -29670,7 +29703,13 @@
             <a:headEnd/>
             <a:tailEnd/>
           </a:ln>
-          <a:effectLst/>
+          <a:effectLst>
+            <a:outerShdw blurRad="50800" dist="38100" dir="2700000" algn="tl" rotWithShape="0">
+              <a:prstClr val="black">
+                <a:alpha val="40000"/>
+              </a:prstClr>
+            </a:outerShdw>
+          </a:effectLst>
         </p:spPr>
         <p:txBody>
           <a:bodyPr wrap="none">
@@ -30068,282 +30107,6 @@
       </p:sp>
       <p:sp>
         <p:nvSpPr>
-          <p:cNvPr id="13317" name="Oval 5"/>
-          <p:cNvSpPr>
-            <a:spLocks noChangeArrowheads="1"/>
-          </p:cNvSpPr>
-          <p:nvPr/>
-        </p:nvSpPr>
-        <p:spPr bwMode="auto">
-          <a:xfrm>
-            <a:off x="7233373" y="2238552"/>
-            <a:ext cx="385906" cy="519351"/>
-          </a:xfrm>
-          <a:prstGeom prst="ellipse">
-            <a:avLst/>
-          </a:prstGeom>
-          <a:solidFill>
-            <a:srgbClr val="F8F8F8"/>
-          </a:solidFill>
-          <a:ln w="9525">
-            <a:solidFill>
-              <a:schemeClr val="tx1"/>
-            </a:solidFill>
-            <a:round/>
-            <a:headEnd/>
-            <a:tailEnd/>
-          </a:ln>
-        </p:spPr>
-        <p:txBody>
-          <a:bodyPr wrap="none" anchor="ctr">
-            <a:spAutoFit/>
-          </a:bodyPr>
-          <a:lstStyle/>
-          <a:p>
-            <a:pPr algn="ctr"/>
-            <a:r>
-              <a:rPr lang="en-GB" b="1">
-                <a:solidFill>
-                  <a:srgbClr val="C80000"/>
-                </a:solidFill>
-              </a:rPr>
-              <a:t>1</a:t>
-            </a:r>
-          </a:p>
-        </p:txBody>
-      </p:sp>
-      <p:sp>
-        <p:nvSpPr>
-          <p:cNvPr id="13318" name="Oval 6"/>
-          <p:cNvSpPr>
-            <a:spLocks noChangeArrowheads="1"/>
-          </p:cNvSpPr>
-          <p:nvPr/>
-        </p:nvSpPr>
-        <p:spPr bwMode="auto">
-          <a:xfrm>
-            <a:off x="7197513" y="2844977"/>
-            <a:ext cx="451277" cy="519351"/>
-          </a:xfrm>
-          <a:prstGeom prst="ellipse">
-            <a:avLst/>
-          </a:prstGeom>
-          <a:solidFill>
-            <a:srgbClr val="F8F8F8"/>
-          </a:solidFill>
-          <a:ln w="9525">
-            <a:solidFill>
-              <a:schemeClr val="tx1"/>
-            </a:solidFill>
-            <a:round/>
-            <a:headEnd/>
-            <a:tailEnd/>
-          </a:ln>
-        </p:spPr>
-        <p:txBody>
-          <a:bodyPr wrap="none" anchor="ctr">
-            <a:spAutoFit/>
-          </a:bodyPr>
-          <a:lstStyle/>
-          <a:p>
-            <a:pPr algn="ctr"/>
-            <a:r>
-              <a:rPr lang="en-GB" b="1">
-                <a:solidFill>
-                  <a:srgbClr val="C80000"/>
-                </a:solidFill>
-              </a:rPr>
-              <a:t>2</a:t>
-            </a:r>
-          </a:p>
-        </p:txBody>
-      </p:sp>
-      <p:sp>
-        <p:nvSpPr>
-          <p:cNvPr id="13319" name="Oval 7"/>
-          <p:cNvSpPr>
-            <a:spLocks noChangeArrowheads="1"/>
-          </p:cNvSpPr>
-          <p:nvPr/>
-        </p:nvSpPr>
-        <p:spPr bwMode="auto">
-          <a:xfrm>
-            <a:off x="7214975" y="3376790"/>
-            <a:ext cx="451277" cy="519351"/>
-          </a:xfrm>
-          <a:prstGeom prst="ellipse">
-            <a:avLst/>
-          </a:prstGeom>
-          <a:solidFill>
-            <a:srgbClr val="F8F8F8"/>
-          </a:solidFill>
-          <a:ln w="9525">
-            <a:solidFill>
-              <a:schemeClr val="tx1"/>
-            </a:solidFill>
-            <a:round/>
-            <a:headEnd/>
-            <a:tailEnd/>
-          </a:ln>
-        </p:spPr>
-        <p:txBody>
-          <a:bodyPr wrap="none" anchor="ctr">
-            <a:spAutoFit/>
-          </a:bodyPr>
-          <a:lstStyle/>
-          <a:p>
-            <a:pPr algn="ctr"/>
-            <a:r>
-              <a:rPr lang="en-GB" b="1">
-                <a:solidFill>
-                  <a:srgbClr val="C80000"/>
-                </a:solidFill>
-              </a:rPr>
-              <a:t>2</a:t>
-            </a:r>
-          </a:p>
-        </p:txBody>
-      </p:sp>
-      <p:sp>
-        <p:nvSpPr>
-          <p:cNvPr id="13320" name="Oval 8"/>
-          <p:cNvSpPr>
-            <a:spLocks noChangeArrowheads="1"/>
-          </p:cNvSpPr>
-          <p:nvPr/>
-        </p:nvSpPr>
-        <p:spPr bwMode="auto">
-          <a:xfrm>
-            <a:off x="7224500" y="3919715"/>
-            <a:ext cx="451277" cy="519351"/>
-          </a:xfrm>
-          <a:prstGeom prst="ellipse">
-            <a:avLst/>
-          </a:prstGeom>
-          <a:solidFill>
-            <a:srgbClr val="F8F8F8"/>
-          </a:solidFill>
-          <a:ln w="9525">
-            <a:solidFill>
-              <a:schemeClr val="tx1"/>
-            </a:solidFill>
-            <a:round/>
-            <a:headEnd/>
-            <a:tailEnd/>
-          </a:ln>
-        </p:spPr>
-        <p:txBody>
-          <a:bodyPr wrap="none" anchor="ctr">
-            <a:spAutoFit/>
-          </a:bodyPr>
-          <a:lstStyle/>
-          <a:p>
-            <a:pPr algn="ctr"/>
-            <a:r>
-              <a:rPr lang="en-GB" b="1">
-                <a:solidFill>
-                  <a:srgbClr val="C80000"/>
-                </a:solidFill>
-              </a:rPr>
-              <a:t>3</a:t>
-            </a:r>
-          </a:p>
-        </p:txBody>
-      </p:sp>
-      <p:sp>
-        <p:nvSpPr>
-          <p:cNvPr id="13321" name="Oval 9"/>
-          <p:cNvSpPr>
-            <a:spLocks noChangeArrowheads="1"/>
-          </p:cNvSpPr>
-          <p:nvPr/>
-        </p:nvSpPr>
-        <p:spPr bwMode="auto">
-          <a:xfrm>
-            <a:off x="7245234" y="5189715"/>
-            <a:ext cx="482834" cy="519351"/>
-          </a:xfrm>
-          <a:prstGeom prst="ellipse">
-            <a:avLst/>
-          </a:prstGeom>
-          <a:solidFill>
-            <a:srgbClr val="F8F8F8"/>
-          </a:solidFill>
-          <a:ln w="9525">
-            <a:solidFill>
-              <a:schemeClr val="tx1"/>
-            </a:solidFill>
-            <a:round/>
-            <a:headEnd/>
-            <a:tailEnd/>
-          </a:ln>
-        </p:spPr>
-        <p:txBody>
-          <a:bodyPr wrap="none" anchor="ctr">
-            <a:spAutoFit/>
-          </a:bodyPr>
-          <a:lstStyle/>
-          <a:p>
-            <a:pPr algn="ctr"/>
-            <a:r>
-              <a:rPr lang="en-GB" b="1">
-                <a:solidFill>
-                  <a:srgbClr val="C80000"/>
-                </a:solidFill>
-              </a:rPr>
-              <a:t>4</a:t>
-            </a:r>
-          </a:p>
-        </p:txBody>
-      </p:sp>
-      <p:sp>
-        <p:nvSpPr>
-          <p:cNvPr id="13322" name="Oval 10"/>
-          <p:cNvSpPr>
-            <a:spLocks noChangeArrowheads="1"/>
-          </p:cNvSpPr>
-          <p:nvPr/>
-        </p:nvSpPr>
-        <p:spPr bwMode="auto">
-          <a:xfrm>
-            <a:off x="5797695" y="5694540"/>
-            <a:ext cx="1350674" cy="519351"/>
-          </a:xfrm>
-          <a:prstGeom prst="ellipse">
-            <a:avLst/>
-          </a:prstGeom>
-          <a:solidFill>
-            <a:srgbClr val="F8F8F8"/>
-          </a:solidFill>
-          <a:ln w="9525">
-            <a:solidFill>
-              <a:schemeClr val="tx1"/>
-            </a:solidFill>
-            <a:round/>
-            <a:headEnd/>
-            <a:tailEnd/>
-          </a:ln>
-        </p:spPr>
-        <p:txBody>
-          <a:bodyPr wrap="none" anchor="ctr">
-            <a:spAutoFit/>
-          </a:bodyPr>
-          <a:lstStyle/>
-          <a:p>
-            <a:pPr algn="ctr"/>
-            <a:r>
-              <a:rPr lang="en-GB" b="1">
-                <a:solidFill>
-                  <a:srgbClr val="C80000"/>
-                </a:solidFill>
-              </a:rPr>
-              <a:t>at end</a:t>
-            </a:r>
-          </a:p>
-        </p:txBody>
-      </p:sp>
-      <p:sp>
-        <p:nvSpPr>
           <p:cNvPr id="13323" name="Text Box 11"/>
           <p:cNvSpPr txBox="1">
             <a:spLocks noChangeArrowheads="1"/>
@@ -30352,7 +30115,7 @@
         </p:nvSpPr>
         <p:spPr bwMode="auto">
           <a:xfrm>
-            <a:off x="7613651" y="2957015"/>
+            <a:off x="8503346" y="2954708"/>
             <a:ext cx="2530475" cy="314325"/>
           </a:xfrm>
           <a:prstGeom prst="rect">
@@ -30490,7 +30253,7 @@
         </p:nvSpPr>
         <p:spPr bwMode="auto">
           <a:xfrm>
-            <a:off x="7642226" y="3484065"/>
+            <a:off x="8503346" y="3512983"/>
             <a:ext cx="2538413" cy="314325"/>
           </a:xfrm>
           <a:prstGeom prst="rect">
@@ -30628,7 +30391,7 @@
         </p:nvSpPr>
         <p:spPr bwMode="auto">
           <a:xfrm>
-            <a:off x="7720014" y="5300165"/>
+            <a:off x="8500159" y="5300165"/>
             <a:ext cx="2530475" cy="314325"/>
           </a:xfrm>
           <a:prstGeom prst="rect">
@@ -30766,7 +30529,7 @@
         </p:nvSpPr>
         <p:spPr bwMode="auto">
           <a:xfrm>
-            <a:off x="6873876" y="5804990"/>
+            <a:off x="8492976" y="5817334"/>
             <a:ext cx="2530475" cy="314325"/>
           </a:xfrm>
           <a:prstGeom prst="rect">
@@ -30888,9 +30651,385 @@
           </a:lstStyle>
           <a:p>
             <a:r>
-              <a:rPr lang="en-GB" sz="1400"/>
+              <a:rPr lang="en-GB" sz="1400" dirty="0"/>
               <a:t>If all exceptions were handled</a:t>
             </a:r>
+          </a:p>
+        </p:txBody>
+      </p:sp>
+      <p:pic>
+        <p:nvPicPr>
+          <p:cNvPr id="5" name="Picture 4">
+            <a:extLst>
+              <a:ext uri="{FF2B5EF4-FFF2-40B4-BE49-F238E27FC236}">
+                <a16:creationId xmlns:a16="http://schemas.microsoft.com/office/drawing/2014/main" id="{15F3E5F3-5B46-1B12-DD54-9C719738BF4F}"/>
+              </a:ext>
+            </a:extLst>
+          </p:cNvPr>
+          <p:cNvPicPr>
+            <a:picLocks noChangeAspect="1"/>
+          </p:cNvPicPr>
+          <p:nvPr/>
+        </p:nvPicPr>
+        <p:blipFill>
+          <a:blip r:embed="rId3"/>
+          <a:stretch>
+            <a:fillRect/>
+          </a:stretch>
+        </p:blipFill>
+        <p:spPr>
+          <a:xfrm>
+            <a:off x="7618637" y="2185612"/>
+            <a:ext cx="556157" cy="556157"/>
+          </a:xfrm>
+          <a:prstGeom prst="rect">
+            <a:avLst/>
+          </a:prstGeom>
+        </p:spPr>
+      </p:pic>
+      <p:pic>
+        <p:nvPicPr>
+          <p:cNvPr id="8" name="Picture 7">
+            <a:extLst>
+              <a:ext uri="{FF2B5EF4-FFF2-40B4-BE49-F238E27FC236}">
+                <a16:creationId xmlns:a16="http://schemas.microsoft.com/office/drawing/2014/main" id="{ED17C131-8AE3-B8D7-184D-506E99C9C45E}"/>
+              </a:ext>
+            </a:extLst>
+          </p:cNvPr>
+          <p:cNvPicPr>
+            <a:picLocks noChangeAspect="1"/>
+          </p:cNvPicPr>
+          <p:nvPr/>
+        </p:nvPicPr>
+        <p:blipFill>
+          <a:blip r:embed="rId4"/>
+          <a:stretch>
+            <a:fillRect/>
+          </a:stretch>
+        </p:blipFill>
+        <p:spPr>
+          <a:xfrm>
+            <a:off x="7608781" y="2820638"/>
+            <a:ext cx="573842" cy="573842"/>
+          </a:xfrm>
+          <a:prstGeom prst="rect">
+            <a:avLst/>
+          </a:prstGeom>
+        </p:spPr>
+      </p:pic>
+      <p:pic>
+        <p:nvPicPr>
+          <p:cNvPr id="9" name="Picture 8">
+            <a:extLst>
+              <a:ext uri="{FF2B5EF4-FFF2-40B4-BE49-F238E27FC236}">
+                <a16:creationId xmlns:a16="http://schemas.microsoft.com/office/drawing/2014/main" id="{49CB05A4-0A4C-F979-2A86-B23FC9ABA3A6}"/>
+              </a:ext>
+            </a:extLst>
+          </p:cNvPr>
+          <p:cNvPicPr>
+            <a:picLocks noChangeAspect="1"/>
+          </p:cNvPicPr>
+          <p:nvPr/>
+        </p:nvPicPr>
+        <p:blipFill>
+          <a:blip r:embed="rId4"/>
+          <a:stretch>
+            <a:fillRect/>
+          </a:stretch>
+        </p:blipFill>
+        <p:spPr>
+          <a:xfrm>
+            <a:off x="7603040" y="3374405"/>
+            <a:ext cx="573842" cy="573842"/>
+          </a:xfrm>
+          <a:prstGeom prst="rect">
+            <a:avLst/>
+          </a:prstGeom>
+        </p:spPr>
+      </p:pic>
+      <p:pic>
+        <p:nvPicPr>
+          <p:cNvPr id="11" name="Picture 10">
+            <a:extLst>
+              <a:ext uri="{FF2B5EF4-FFF2-40B4-BE49-F238E27FC236}">
+                <a16:creationId xmlns:a16="http://schemas.microsoft.com/office/drawing/2014/main" id="{18E5981F-0496-40E4-81A8-0CDA3F233946}"/>
+              </a:ext>
+            </a:extLst>
+          </p:cNvPr>
+          <p:cNvPicPr>
+            <a:picLocks noChangeAspect="1"/>
+          </p:cNvPicPr>
+          <p:nvPr/>
+        </p:nvPicPr>
+        <p:blipFill>
+          <a:blip r:embed="rId5"/>
+          <a:stretch>
+            <a:fillRect/>
+          </a:stretch>
+        </p:blipFill>
+        <p:spPr>
+          <a:xfrm>
+            <a:off x="7600953" y="3929657"/>
+            <a:ext cx="573841" cy="573841"/>
+          </a:xfrm>
+          <a:prstGeom prst="rect">
+            <a:avLst/>
+          </a:prstGeom>
+        </p:spPr>
+      </p:pic>
+      <p:pic>
+        <p:nvPicPr>
+          <p:cNvPr id="13" name="Picture 12">
+            <a:extLst>
+              <a:ext uri="{FF2B5EF4-FFF2-40B4-BE49-F238E27FC236}">
+                <a16:creationId xmlns:a16="http://schemas.microsoft.com/office/drawing/2014/main" id="{8EAA0898-D900-B4F8-8210-892370BE69EC}"/>
+              </a:ext>
+            </a:extLst>
+          </p:cNvPr>
+          <p:cNvPicPr>
+            <a:picLocks noChangeAspect="1"/>
+          </p:cNvPicPr>
+          <p:nvPr/>
+        </p:nvPicPr>
+        <p:blipFill>
+          <a:blip r:embed="rId6"/>
+          <a:stretch>
+            <a:fillRect/>
+          </a:stretch>
+        </p:blipFill>
+        <p:spPr>
+          <a:xfrm>
+            <a:off x="7584429" y="5120699"/>
+            <a:ext cx="573841" cy="573841"/>
+          </a:xfrm>
+          <a:prstGeom prst="rect">
+            <a:avLst/>
+          </a:prstGeom>
+        </p:spPr>
+      </p:pic>
+      <p:pic>
+        <p:nvPicPr>
+          <p:cNvPr id="15" name="Picture 14">
+            <a:extLst>
+              <a:ext uri="{FF2B5EF4-FFF2-40B4-BE49-F238E27FC236}">
+                <a16:creationId xmlns:a16="http://schemas.microsoft.com/office/drawing/2014/main" id="{FEDCAC2D-F434-6D2A-47BA-FAC7B997580E}"/>
+              </a:ext>
+            </a:extLst>
+          </p:cNvPr>
+          <p:cNvPicPr>
+            <a:picLocks noChangeAspect="1"/>
+          </p:cNvPicPr>
+          <p:nvPr/>
+        </p:nvPicPr>
+        <p:blipFill>
+          <a:blip r:embed="rId7"/>
+          <a:stretch>
+            <a:fillRect/>
+          </a:stretch>
+        </p:blipFill>
+        <p:spPr>
+          <a:xfrm>
+            <a:off x="7583232" y="5709435"/>
+            <a:ext cx="575038" cy="575038"/>
+          </a:xfrm>
+          <a:prstGeom prst="rect">
+            <a:avLst/>
+          </a:prstGeom>
+        </p:spPr>
+      </p:pic>
+      <p:sp>
+        <p:nvSpPr>
+          <p:cNvPr id="16" name="Line 7">
+            <a:extLst>
+              <a:ext uri="{FF2B5EF4-FFF2-40B4-BE49-F238E27FC236}">
+                <a16:creationId xmlns:a16="http://schemas.microsoft.com/office/drawing/2014/main" id="{5091E16C-53CA-9E48-098C-750BA1C71BD8}"/>
+              </a:ext>
+            </a:extLst>
+          </p:cNvPr>
+          <p:cNvSpPr>
+            <a:spLocks noChangeShapeType="1"/>
+          </p:cNvSpPr>
+          <p:nvPr/>
+        </p:nvSpPr>
+        <p:spPr bwMode="auto">
+          <a:xfrm flipH="1">
+            <a:off x="8158270" y="3090173"/>
+            <a:ext cx="345076" cy="0"/>
+          </a:xfrm>
+          <a:prstGeom prst="line">
+            <a:avLst/>
+          </a:prstGeom>
+          <a:noFill/>
+          <a:ln w="9525">
+            <a:solidFill>
+              <a:schemeClr val="tx1"/>
+            </a:solidFill>
+            <a:round/>
+            <a:headEnd/>
+            <a:tailEnd type="triangle" w="med" len="med"/>
+          </a:ln>
+          <a:extLst>
+            <a:ext uri="{909E8E84-426E-40dd-AFC4-6F175D3DCCD1}">
+              <a14:hiddenFill xmlns="" xmlns:a14="http://schemas.microsoft.com/office/drawing/2010/main">
+                <a:noFill/>
+              </a14:hiddenFill>
+            </a:ext>
+          </a:extLst>
+        </p:spPr>
+        <p:txBody>
+          <a:bodyPr wrap="square">
+            <a:spAutoFit/>
+          </a:bodyPr>
+          <a:lstStyle/>
+          <a:p>
+            <a:endParaRPr lang="en-GB"/>
+          </a:p>
+        </p:txBody>
+      </p:sp>
+      <p:sp>
+        <p:nvSpPr>
+          <p:cNvPr id="17" name="Line 7">
+            <a:extLst>
+              <a:ext uri="{FF2B5EF4-FFF2-40B4-BE49-F238E27FC236}">
+                <a16:creationId xmlns:a16="http://schemas.microsoft.com/office/drawing/2014/main" id="{93F7E58C-3BFF-75B9-5502-B9A9078C0190}"/>
+              </a:ext>
+            </a:extLst>
+          </p:cNvPr>
+          <p:cNvSpPr>
+            <a:spLocks noChangeShapeType="1"/>
+          </p:cNvSpPr>
+          <p:nvPr/>
+        </p:nvSpPr>
+        <p:spPr bwMode="auto">
+          <a:xfrm flipH="1">
+            <a:off x="8158270" y="3670145"/>
+            <a:ext cx="345076" cy="0"/>
+          </a:xfrm>
+          <a:prstGeom prst="line">
+            <a:avLst/>
+          </a:prstGeom>
+          <a:noFill/>
+          <a:ln w="9525">
+            <a:solidFill>
+              <a:schemeClr val="tx1"/>
+            </a:solidFill>
+            <a:round/>
+            <a:headEnd/>
+            <a:tailEnd type="triangle" w="med" len="med"/>
+          </a:ln>
+          <a:extLst>
+            <a:ext uri="{909E8E84-426E-40dd-AFC4-6F175D3DCCD1}">
+              <a14:hiddenFill xmlns="" xmlns:a14="http://schemas.microsoft.com/office/drawing/2010/main">
+                <a:noFill/>
+              </a14:hiddenFill>
+            </a:ext>
+          </a:extLst>
+        </p:spPr>
+        <p:txBody>
+          <a:bodyPr wrap="square">
+            <a:spAutoFit/>
+          </a:bodyPr>
+          <a:lstStyle/>
+          <a:p>
+            <a:endParaRPr lang="en-GB"/>
+          </a:p>
+        </p:txBody>
+      </p:sp>
+      <p:sp>
+        <p:nvSpPr>
+          <p:cNvPr id="18" name="Line 7">
+            <a:extLst>
+              <a:ext uri="{FF2B5EF4-FFF2-40B4-BE49-F238E27FC236}">
+                <a16:creationId xmlns:a16="http://schemas.microsoft.com/office/drawing/2014/main" id="{2B639F86-A3C9-C638-E502-143342AED62B}"/>
+              </a:ext>
+            </a:extLst>
+          </p:cNvPr>
+          <p:cNvSpPr>
+            <a:spLocks noChangeShapeType="1"/>
+          </p:cNvSpPr>
+          <p:nvPr/>
+        </p:nvSpPr>
+        <p:spPr bwMode="auto">
+          <a:xfrm flipH="1">
+            <a:off x="8147900" y="5457327"/>
+            <a:ext cx="345076" cy="0"/>
+          </a:xfrm>
+          <a:prstGeom prst="line">
+            <a:avLst/>
+          </a:prstGeom>
+          <a:noFill/>
+          <a:ln w="9525">
+            <a:solidFill>
+              <a:schemeClr val="tx1"/>
+            </a:solidFill>
+            <a:round/>
+            <a:headEnd/>
+            <a:tailEnd type="triangle" w="med" len="med"/>
+          </a:ln>
+          <a:extLst>
+            <a:ext uri="{909E8E84-426E-40dd-AFC4-6F175D3DCCD1}">
+              <a14:hiddenFill xmlns="" xmlns:a14="http://schemas.microsoft.com/office/drawing/2010/main">
+                <a:noFill/>
+              </a14:hiddenFill>
+            </a:ext>
+          </a:extLst>
+        </p:spPr>
+        <p:txBody>
+          <a:bodyPr wrap="square">
+            <a:spAutoFit/>
+          </a:bodyPr>
+          <a:lstStyle/>
+          <a:p>
+            <a:endParaRPr lang="en-GB"/>
+          </a:p>
+        </p:txBody>
+      </p:sp>
+      <p:sp>
+        <p:nvSpPr>
+          <p:cNvPr id="19" name="Line 7">
+            <a:extLst>
+              <a:ext uri="{FF2B5EF4-FFF2-40B4-BE49-F238E27FC236}">
+                <a16:creationId xmlns:a16="http://schemas.microsoft.com/office/drawing/2014/main" id="{B97C68CD-0024-3D08-FECE-CA5EAEC6A3B7}"/>
+              </a:ext>
+            </a:extLst>
+          </p:cNvPr>
+          <p:cNvSpPr>
+            <a:spLocks noChangeShapeType="1"/>
+          </p:cNvSpPr>
+          <p:nvPr/>
+        </p:nvSpPr>
+        <p:spPr bwMode="auto">
+          <a:xfrm flipH="1">
+            <a:off x="8138132" y="5970949"/>
+            <a:ext cx="345076" cy="0"/>
+          </a:xfrm>
+          <a:prstGeom prst="line">
+            <a:avLst/>
+          </a:prstGeom>
+          <a:noFill/>
+          <a:ln w="9525">
+            <a:solidFill>
+              <a:schemeClr val="tx1"/>
+            </a:solidFill>
+            <a:round/>
+            <a:headEnd/>
+            <a:tailEnd type="triangle" w="med" len="med"/>
+          </a:ln>
+          <a:extLst>
+            <a:ext uri="{909E8E84-426E-40dd-AFC4-6F175D3DCCD1}">
+              <a14:hiddenFill xmlns="" xmlns:a14="http://schemas.microsoft.com/office/drawing/2010/main">
+                <a:noFill/>
+              </a14:hiddenFill>
+            </a:ext>
+          </a:extLst>
+        </p:spPr>
+        <p:txBody>
+          <a:bodyPr wrap="square">
+            <a:spAutoFit/>
+          </a:bodyPr>
+          <a:lstStyle/>
+          <a:p>
+            <a:endParaRPr lang="en-GB"/>
           </a:p>
         </p:txBody>
       </p:sp>
@@ -31315,7 +31454,7 @@
         </p:nvSpPr>
         <p:spPr>
           <a:xfrm>
-            <a:off x="5841083" y="1443841"/>
+            <a:off x="5841083" y="2325624"/>
             <a:ext cx="4852447" cy="3970318"/>
           </a:xfrm>
           <a:prstGeom prst="rect">
@@ -31801,7 +31940,7 @@
         </p:nvSpPr>
         <p:spPr>
           <a:xfrm>
-            <a:off x="5577526" y="1659285"/>
+            <a:off x="5577526" y="2521059"/>
             <a:ext cx="4852447" cy="2677656"/>
           </a:xfrm>
           <a:prstGeom prst="rect">
@@ -31969,12 +32108,10 @@
           </a:bodyPr>
           <a:lstStyle/>
           <a:p>
-            <a:pPr marL="342900" indent="-342900">
+            <a:pPr>
               <a:lnSpc>
                 <a:spcPct val="110000"/>
               </a:lnSpc>
-              <a:buFont typeface="Arial" panose="020B0604020202020204" pitchFamily="34" charset="0"/>
-              <a:buChar char="•"/>
             </a:pPr>
             <a:r>
               <a:rPr lang="en-GB" sz="2200" b="1" dirty="0"/>
@@ -31990,7 +32127,7 @@
             </a:r>
           </a:p>
           <a:p>
-            <a:pPr lvl="1">
+            <a:pPr marL="447675" lvl="1" indent="-265113">
               <a:lnSpc>
                 <a:spcPct val="100000"/>
               </a:lnSpc>
@@ -31998,24 +32135,24 @@
               <a:buChar char="•"/>
             </a:pPr>
             <a:r>
-              <a:rPr lang="en-GB" sz="2200" dirty="0" err="1"/>
+              <a:rPr lang="en-GB" sz="1900" dirty="0" err="1"/>
               <a:t>AssertionError</a:t>
             </a:r>
             <a:r>
-              <a:rPr lang="en-GB" sz="2200" dirty="0"/>
+              <a:rPr lang="en-GB" sz="1900" dirty="0"/>
               <a:t> is raised if the </a:t>
             </a:r>
             <a:r>
-              <a:rPr lang="en-GB" sz="2200" dirty="0" err="1"/>
+              <a:rPr lang="en-GB" sz="1900" dirty="0" err="1"/>
               <a:t>boolean</a:t>
             </a:r>
             <a:r>
-              <a:rPr lang="en-GB" sz="2200" dirty="0"/>
+              <a:rPr lang="en-GB" sz="1900" dirty="0"/>
               <a:t> is False</a:t>
             </a:r>
           </a:p>
           <a:p>
-            <a:pPr lvl="1">
+            <a:pPr marL="447675" lvl="1" indent="-265113">
               <a:lnSpc>
                 <a:spcPct val="100000"/>
               </a:lnSpc>
@@ -32023,7 +32160,7 @@
               <a:buChar char="•"/>
             </a:pPr>
             <a:r>
-              <a:rPr lang="en-GB" sz="2200" dirty="0"/>
+              <a:rPr lang="en-GB" sz="1900" dirty="0"/>
               <a:t>May be associated with additional data</a:t>
             </a:r>
           </a:p>
@@ -32068,28 +32205,19 @@
             <a:endParaRPr lang="en-GB" dirty="0"/>
           </a:p>
           <a:p>
-            <a:pPr lvl="1">
+            <a:pPr marL="88900" lvl="1" indent="0">
               <a:lnSpc>
                 <a:spcPct val="100000"/>
               </a:lnSpc>
+              <a:buNone/>
             </a:pPr>
             <a:endParaRPr lang="en-GB" dirty="0"/>
           </a:p>
           <a:p>
-            <a:pPr lvl="1">
-              <a:lnSpc>
-                <a:spcPct val="100000"/>
-              </a:lnSpc>
-            </a:pPr>
-            <a:endParaRPr lang="en-GB" dirty="0"/>
-          </a:p>
-          <a:p>
-            <a:pPr marL="342900" indent="-342900">
+            <a:pPr>
               <a:lnSpc>
                 <a:spcPct val="110000"/>
               </a:lnSpc>
-              <a:buFont typeface="Arial" panose="020B0604020202020204" pitchFamily="34" charset="0"/>
-              <a:buChar char="•"/>
             </a:pPr>
             <a:r>
               <a:rPr lang="en-GB" sz="2200" b="1" dirty="0"/>
@@ -32097,7 +32225,7 @@
             </a:r>
           </a:p>
           <a:p>
-            <a:pPr lvl="1">
+            <a:pPr marL="447675" lvl="1" indent="-265113">
               <a:lnSpc>
                 <a:spcPct val="100000"/>
               </a:lnSpc>
@@ -32105,11 +32233,11 @@
               <a:buChar char="•"/>
             </a:pPr>
             <a:r>
-              <a:rPr lang="en-GB" sz="2200" dirty="0"/>
+              <a:rPr lang="en-GB" sz="1900" dirty="0"/>
               <a:t>Comment out </a:t>
             </a:r>
             <a:r>
-              <a:rPr lang="en-GB" sz="2200" b="1" dirty="0">
+              <a:rPr lang="en-GB" sz="1900" b="1" dirty="0">
                 <a:solidFill>
                   <a:srgbClr val="0000C8"/>
                 </a:solidFill>
@@ -32118,12 +32246,12 @@
               <a:t>assert</a:t>
             </a:r>
             <a:r>
-              <a:rPr lang="en-GB" sz="2200" dirty="0"/>
+              <a:rPr lang="en-GB" sz="1900" dirty="0"/>
               <a:t> statements for production</a:t>
             </a:r>
           </a:p>
           <a:p>
-            <a:pPr lvl="1">
+            <a:pPr marL="447675" lvl="1" indent="-265113">
               <a:lnSpc>
                 <a:spcPct val="100000"/>
               </a:lnSpc>
@@ -32131,29 +32259,31 @@
               <a:buChar char="•"/>
             </a:pPr>
             <a:r>
-              <a:rPr lang="en-GB" sz="2200" dirty="0"/>
+              <a:rPr lang="en-GB" sz="1900" dirty="0"/>
               <a:t>Or run with </a:t>
             </a:r>
             <a:r>
-              <a:rPr lang="en-GB" sz="2200" dirty="0">
+              <a:rPr lang="en-GB" sz="1900" dirty="0">
                 <a:latin typeface="Courier New" panose="02070309020205020404" pitchFamily="49" charset="0"/>
               </a:rPr>
               <a:t>-O</a:t>
             </a:r>
             <a:r>
-              <a:rPr lang="en-GB" sz="2200" dirty="0"/>
+              <a:rPr lang="en-GB" sz="1900" dirty="0"/>
               <a:t> (oh), or set PYTHONOPTIMIZE to 0</a:t>
             </a:r>
           </a:p>
           <a:p>
-            <a:pPr lvl="2">
+            <a:pPr marL="447675" lvl="2" indent="-265113">
               <a:lnSpc>
                 <a:spcPct val="100000"/>
               </a:lnSpc>
+              <a:buFont typeface="Arial" panose="020B0604020202020204" pitchFamily="34" charset="0"/>
+              <a:buChar char="•"/>
             </a:pPr>
             <a:r>
               <a:rPr lang="en-GB" sz="1900" dirty="0"/>
-              <a:t> Sets </a:t>
+              <a:t>Sets </a:t>
             </a:r>
             <a:r>
               <a:rPr lang="en-GB" sz="1900" dirty="0">
@@ -32178,7 +32308,7 @@
         </p:nvSpPr>
         <p:spPr bwMode="auto">
           <a:xfrm>
-            <a:off x="334489" y="2485234"/>
+            <a:off x="791689" y="2437805"/>
             <a:ext cx="4715600" cy="376238"/>
           </a:xfrm>
           <a:prstGeom prst="rect">
@@ -32198,6 +32328,13 @@
             <a:headEnd/>
             <a:tailEnd/>
           </a:ln>
+          <a:effectLst>
+            <a:outerShdw blurRad="50800" dist="38100" dir="2700000" algn="tl" rotWithShape="0">
+              <a:prstClr val="black">
+                <a:alpha val="40000"/>
+              </a:prstClr>
+            </a:outerShdw>
+          </a:effectLst>
         </p:spPr>
         <p:txBody>
           <a:bodyPr wrap="square">
@@ -32359,7 +32496,7 @@
         </p:nvSpPr>
         <p:spPr bwMode="auto">
           <a:xfrm>
-            <a:off x="339251" y="3002760"/>
+            <a:off x="791689" y="2951332"/>
             <a:ext cx="7629012" cy="1354217"/>
           </a:xfrm>
           <a:prstGeom prst="rect">
@@ -32379,7 +32516,13 @@
             <a:headEnd/>
             <a:tailEnd/>
           </a:ln>
-          <a:effectLst/>
+          <a:effectLst>
+            <a:outerShdw blurRad="50800" dist="38100" dir="2700000" algn="tl" rotWithShape="0">
+              <a:prstClr val="black">
+                <a:alpha val="40000"/>
+              </a:prstClr>
+            </a:outerShdw>
+          </a:effectLst>
         </p:spPr>
         <p:txBody>
           <a:bodyPr wrap="none">
@@ -32580,7 +32723,7 @@
         </p:nvSpPr>
         <p:spPr bwMode="auto">
           <a:xfrm>
-            <a:off x="2170728" y="4458226"/>
+            <a:off x="3958888" y="4128577"/>
             <a:ext cx="5698996" cy="369332"/>
           </a:xfrm>
           <a:prstGeom prst="rect">
@@ -32597,6 +32740,13 @@
             <a:headEnd/>
             <a:tailEnd/>
           </a:ln>
+          <a:effectLst>
+            <a:outerShdw blurRad="50800" dist="38100" dir="2700000" algn="tl" rotWithShape="0">
+              <a:prstClr val="black">
+                <a:alpha val="40000"/>
+              </a:prstClr>
+            </a:outerShdw>
+          </a:effectLst>
         </p:spPr>
         <p:txBody>
           <a:bodyPr wrap="none">
@@ -32784,98 +32934,87 @@
         </p:nvSpPr>
         <p:spPr>
           <a:xfrm>
-            <a:off x="324644" y="1239044"/>
-            <a:ext cx="11715750" cy="5214937"/>
+            <a:off x="339970" y="1239044"/>
+            <a:ext cx="11700423" cy="5214937"/>
           </a:xfrm>
         </p:spPr>
         <p:txBody>
           <a:bodyPr/>
           <a:lstStyle/>
           <a:p>
-            <a:pPr marL="342900" indent="-342900">
+            <a:r>
+              <a:rPr lang="en-GB" b="1" dirty="0"/>
+              <a:t>Throw a standard exception object, with data</a:t>
+            </a:r>
+          </a:p>
+          <a:p>
+            <a:pPr marL="447675" lvl="1" indent="-265113">
               <a:buFont typeface="Arial" panose="020B0604020202020204" pitchFamily="34" charset="0"/>
               <a:buChar char="•"/>
             </a:pPr>
             <a:r>
+              <a:rPr lang="en-GB" dirty="0"/>
+              <a:t>Syntax change at Python 3</a:t>
+            </a:r>
+          </a:p>
+          <a:p>
+            <a:pPr lvl="1"/>
+            <a:endParaRPr lang="en-GB" dirty="0"/>
+          </a:p>
+          <a:p>
+            <a:pPr lvl="1"/>
+            <a:endParaRPr lang="en-GB" dirty="0"/>
+          </a:p>
+          <a:p>
+            <a:pPr lvl="1"/>
+            <a:endParaRPr lang="en-GB" dirty="0"/>
+          </a:p>
+          <a:p>
+            <a:pPr lvl="1"/>
+            <a:endParaRPr lang="en-GB" dirty="0"/>
+          </a:p>
+          <a:p>
+            <a:pPr lvl="1"/>
+            <a:endParaRPr lang="en-GB" dirty="0"/>
+          </a:p>
+          <a:p>
+            <a:pPr lvl="1"/>
+            <a:endParaRPr lang="en-GB" dirty="0"/>
+          </a:p>
+          <a:p>
+            <a:pPr lvl="1"/>
+            <a:endParaRPr lang="en-GB" dirty="0"/>
+          </a:p>
+          <a:p>
+            <a:r>
               <a:rPr lang="en-GB" b="1" dirty="0"/>
-              <a:t>Throw a standard exception object, with data</a:t>
-            </a:r>
-          </a:p>
-          <a:p>
-            <a:pPr lvl="1">
+              <a:t>If no exception is specified:</a:t>
+            </a:r>
+          </a:p>
+          <a:p>
+            <a:pPr marL="447675" lvl="1" indent="-265113">
               <a:buFont typeface="Arial" panose="020B0604020202020204" pitchFamily="34" charset="0"/>
               <a:buChar char="•"/>
             </a:pPr>
             <a:r>
-              <a:rPr lang="en-GB" dirty="0"/>
-              <a:t>Syntax change at Python 3</a:t>
-            </a:r>
-          </a:p>
-          <a:p>
-            <a:pPr lvl="1"/>
-            <a:endParaRPr lang="en-GB" dirty="0"/>
-          </a:p>
-          <a:p>
-            <a:pPr lvl="1"/>
-            <a:endParaRPr lang="en-GB" dirty="0"/>
-          </a:p>
-          <a:p>
-            <a:pPr lvl="1"/>
-            <a:endParaRPr lang="en-GB" dirty="0"/>
-          </a:p>
-          <a:p>
-            <a:pPr lvl="1"/>
-            <a:endParaRPr lang="en-GB" dirty="0"/>
-          </a:p>
-          <a:p>
-            <a:pPr lvl="1"/>
-            <a:endParaRPr lang="en-GB" dirty="0"/>
-          </a:p>
-          <a:p>
-            <a:pPr lvl="1"/>
-            <a:endParaRPr lang="en-GB" dirty="0"/>
-          </a:p>
-          <a:p>
-            <a:pPr lvl="1"/>
-            <a:endParaRPr lang="en-GB" dirty="0"/>
-          </a:p>
-          <a:p>
-            <a:endParaRPr lang="en-GB" dirty="0"/>
-          </a:p>
-          <a:p>
-            <a:pPr marL="342900" indent="-342900">
+              <a:rPr lang="en-GB" sz="1800" dirty="0"/>
+              <a:t>Repeat the current active exception</a:t>
+            </a:r>
+          </a:p>
+          <a:p>
+            <a:pPr marL="447675" lvl="1" indent="-265113">
               <a:buFont typeface="Arial" panose="020B0604020202020204" pitchFamily="34" charset="0"/>
               <a:buChar char="•"/>
             </a:pPr>
             <a:r>
-              <a:rPr lang="en-GB" b="1" dirty="0"/>
-              <a:t>If no exception is specified:</a:t>
-            </a:r>
-          </a:p>
-          <a:p>
-            <a:pPr lvl="1">
-              <a:buFont typeface="Arial" panose="020B0604020202020204" pitchFamily="34" charset="0"/>
-              <a:buChar char="•"/>
-            </a:pPr>
-            <a:r>
-              <a:rPr lang="en-GB" dirty="0"/>
-              <a:t>Repeat the current active exception</a:t>
-            </a:r>
-          </a:p>
-          <a:p>
-            <a:pPr lvl="1">
-              <a:buFont typeface="Arial" panose="020B0604020202020204" pitchFamily="34" charset="0"/>
-              <a:buChar char="•"/>
-            </a:pPr>
-            <a:r>
-              <a:rPr lang="en-GB" dirty="0"/>
+              <a:rPr lang="en-GB" sz="1800" dirty="0"/>
               <a:t>If no current exception, raise </a:t>
             </a:r>
             <a:r>
-              <a:rPr lang="en-GB" dirty="0" err="1"/>
+              <a:rPr lang="en-GB" sz="1800" dirty="0" err="1"/>
               <a:t>TypeError</a:t>
             </a:r>
-            <a:endParaRPr lang="en-GB" dirty="0"/>
+            <a:endParaRPr lang="en-GB" sz="1800" dirty="0"/>
           </a:p>
         </p:txBody>
       </p:sp>
@@ -32889,7 +33028,12 @@
             <p:ph type="title"/>
           </p:nvPr>
         </p:nvSpPr>
-        <p:spPr/>
+        <p:spPr>
+          <a:xfrm>
+            <a:off x="339970" y="562058"/>
+            <a:ext cx="11517819" cy="805001"/>
+          </a:xfrm>
+        </p:spPr>
         <p:txBody>
           <a:bodyPr/>
           <a:lstStyle/>
@@ -32912,7 +33056,7 @@
         </p:nvSpPr>
         <p:spPr bwMode="auto">
           <a:xfrm>
-            <a:off x="339971" y="2262981"/>
+            <a:off x="787011" y="2044045"/>
             <a:ext cx="8269288" cy="2176463"/>
           </a:xfrm>
           <a:prstGeom prst="rect">
@@ -32932,7 +33076,13 @@
             <a:headEnd/>
             <a:tailEnd/>
           </a:ln>
-          <a:effectLst/>
+          <a:effectLst>
+            <a:outerShdw blurRad="50800" dist="38100" dir="2700000" algn="tl" rotWithShape="0">
+              <a:prstClr val="black">
+                <a:alpha val="40000"/>
+              </a:prstClr>
+            </a:outerShdw>
+          </a:effectLst>
         </p:spPr>
         <p:txBody>
           <a:bodyPr>
@@ -33209,7 +33359,7 @@
         </p:nvSpPr>
         <p:spPr bwMode="auto">
           <a:xfrm>
-            <a:off x="4598225" y="4510547"/>
+            <a:off x="5045265" y="4220508"/>
             <a:ext cx="4011034" cy="338554"/>
           </a:xfrm>
           <a:prstGeom prst="rect">
@@ -33226,6 +33376,13 @@
             <a:headEnd/>
             <a:tailEnd/>
           </a:ln>
+          <a:effectLst>
+            <a:outerShdw blurRad="50800" dist="38100" dir="2700000" algn="tl" rotWithShape="0">
+              <a:prstClr val="black">
+                <a:alpha val="40000"/>
+              </a:prstClr>
+            </a:outerShdw>
+          </a:effectLst>
         </p:spPr>
         <p:txBody>
           <a:bodyPr wrap="none">
@@ -33397,7 +33554,12 @@
             <p:ph type="title"/>
           </p:nvPr>
         </p:nvSpPr>
-        <p:spPr/>
+        <p:spPr>
+          <a:xfrm>
+            <a:off x="339971" y="562058"/>
+            <a:ext cx="11517818" cy="805001"/>
+          </a:xfrm>
+        </p:spPr>
         <p:txBody>
           <a:bodyPr/>
           <a:lstStyle/>
@@ -33518,19 +33680,16 @@
         <p:spPr>
           <a:xfrm>
             <a:off x="339971" y="1345721"/>
-            <a:ext cx="11715750" cy="5214937"/>
+            <a:ext cx="11715749" cy="5214937"/>
           </a:xfrm>
         </p:spPr>
         <p:txBody>
           <a:bodyPr/>
           <a:lstStyle/>
           <a:p>
-            <a:pPr marL="342900" indent="-342900">
-              <a:buFont typeface="Arial" panose="020B0604020202020204" pitchFamily="34" charset="0"/>
-              <a:buChar char="•"/>
-            </a:pPr>
-            <a:r>
-              <a:rPr lang="en-GB" dirty="0"/>
+            <a:pPr marL="180975" indent="-180975"/>
+            <a:r>
+              <a:rPr lang="en-GB" b="1" dirty="0"/>
               <a:t>Define our own exception class</a:t>
             </a:r>
           </a:p>
@@ -33586,7 +33745,7 @@
         </p:nvSpPr>
         <p:spPr bwMode="auto">
           <a:xfrm>
-            <a:off x="2054225" y="1722439"/>
+            <a:off x="733425" y="1781552"/>
             <a:ext cx="7629012" cy="3139321"/>
           </a:xfrm>
           <a:prstGeom prst="rect">
@@ -33606,7 +33765,13 @@
             <a:headEnd/>
             <a:tailEnd/>
           </a:ln>
-          <a:effectLst/>
+          <a:effectLst>
+            <a:outerShdw blurRad="50800" dist="38100" dir="2700000" algn="tl" rotWithShape="0">
+              <a:prstClr val="black">
+                <a:alpha val="40000"/>
+              </a:prstClr>
+            </a:outerShdw>
+          </a:effectLst>
         </p:spPr>
         <p:txBody>
           <a:bodyPr wrap="none">
@@ -33956,6 +34121,13 @@
             <a:headEnd/>
             <a:tailEnd/>
           </a:ln>
+          <a:effectLst>
+            <a:outerShdw blurRad="50800" dist="38100" dir="2700000" algn="tl" rotWithShape="0">
+              <a:prstClr val="black">
+                <a:alpha val="40000"/>
+              </a:prstClr>
+            </a:outerShdw>
+          </a:effectLst>
         </p:spPr>
         <p:txBody>
           <a:bodyPr>
@@ -34077,8 +34249,8 @@
         </p:nvSpPr>
         <p:spPr bwMode="auto">
           <a:xfrm flipH="1">
-            <a:off x="6388101" y="1974850"/>
-            <a:ext cx="854075" cy="0"/>
+            <a:off x="4523014" y="1974850"/>
+            <a:ext cx="2846160" cy="0"/>
           </a:xfrm>
           <a:prstGeom prst="line">
             <a:avLst/>
@@ -34101,12 +34273,12 @@
           </a:extLst>
         </p:spPr>
         <p:txBody>
-          <a:bodyPr>
+          <a:bodyPr wrap="square">
             <a:spAutoFit/>
           </a:bodyPr>
           <a:lstStyle/>
           <a:p>
-            <a:endParaRPr lang="en-GB"/>
+            <a:endParaRPr lang="en-GB" dirty="0"/>
           </a:p>
         </p:txBody>
       </p:sp>
@@ -34137,6 +34309,13 @@
             <a:headEnd/>
             <a:tailEnd/>
           </a:ln>
+          <a:effectLst>
+            <a:outerShdw blurRad="50800" dist="38100" dir="2700000" algn="tl" rotWithShape="0">
+              <a:prstClr val="black">
+                <a:alpha val="40000"/>
+              </a:prstClr>
+            </a:outerShdw>
+          </a:effectLst>
         </p:spPr>
         <p:txBody>
           <a:bodyPr wrap="none">
@@ -34299,7 +34478,12 @@
             <p:ph type="title"/>
           </p:nvPr>
         </p:nvSpPr>
-        <p:spPr/>
+        <p:spPr>
+          <a:xfrm>
+            <a:off x="341272" y="562058"/>
+            <a:ext cx="11516517" cy="805001"/>
+          </a:xfrm>
+        </p:spPr>
         <p:txBody>
           <a:bodyPr/>
           <a:lstStyle/>
@@ -34326,170 +34510,167 @@
             <p:ph idx="1"/>
           </p:nvPr>
         </p:nvSpPr>
-        <p:spPr/>
+        <p:spPr>
+          <a:xfrm>
+            <a:off x="416560" y="1368256"/>
+            <a:ext cx="11440951" cy="4955354"/>
+          </a:xfrm>
+        </p:spPr>
         <p:txBody>
           <a:bodyPr/>
           <a:lstStyle/>
           <a:p>
-            <a:pPr marL="342900" indent="-342900">
+            <a:r>
+              <a:rPr lang="en-GB" b="1" dirty="0" err="1"/>
+              <a:t>sys.exc_info</a:t>
+            </a:r>
+            <a:r>
+              <a:rPr lang="en-GB" b="1" dirty="0"/>
+              <a:t>()</a:t>
+            </a:r>
+          </a:p>
+          <a:p>
+            <a:pPr marL="447675" lvl="1" indent="-265113">
               <a:buFont typeface="Arial" panose="020B0604020202020204" pitchFamily="34" charset="0"/>
               <a:buChar char="•"/>
             </a:pPr>
             <a:r>
-              <a:rPr lang="en-GB" b="1" dirty="0" err="1"/>
-              <a:t>sys.exc_info</a:t>
-            </a:r>
-            <a:r>
-              <a:rPr lang="en-GB" b="1" dirty="0"/>
-              <a:t>()</a:t>
-            </a:r>
-          </a:p>
-          <a:p>
-            <a:pPr lvl="1">
+              <a:rPr lang="en-GB" sz="1800" dirty="0"/>
+              <a:t>Returns a tuple of type, value, and a </a:t>
+            </a:r>
+            <a:r>
+              <a:rPr lang="en-GB" sz="1800" i="1" dirty="0" err="1"/>
+              <a:t>traceback</a:t>
+            </a:r>
+            <a:r>
+              <a:rPr lang="en-GB" sz="1800" dirty="0"/>
+              <a:t> object</a:t>
+            </a:r>
+          </a:p>
+          <a:p>
+            <a:pPr marL="447675" lvl="1" indent="-265113">
               <a:buFont typeface="Arial" panose="020B0604020202020204" pitchFamily="34" charset="0"/>
               <a:buChar char="•"/>
             </a:pPr>
             <a:r>
-              <a:rPr lang="en-GB" dirty="0"/>
-              <a:t>Returns a tuple of type, value, and a </a:t>
-            </a:r>
-            <a:r>
-              <a:rPr lang="en-GB" i="1" dirty="0" err="1"/>
+              <a:rPr lang="en-GB" sz="1800" dirty="0"/>
+              <a:t>The </a:t>
+            </a:r>
+            <a:r>
+              <a:rPr lang="en-GB" sz="1800" dirty="0" err="1"/>
               <a:t>traceback</a:t>
             </a:r>
             <a:r>
-              <a:rPr lang="en-GB" dirty="0"/>
-              <a:t> object</a:t>
-            </a:r>
-          </a:p>
-          <a:p>
-            <a:pPr lvl="1">
+              <a:rPr lang="en-GB" sz="1800" dirty="0"/>
+              <a:t> object incudes attributes such as the line number where the exception occurred, and the stack trace</a:t>
+            </a:r>
+          </a:p>
+          <a:p>
+            <a:pPr lvl="1"/>
+            <a:endParaRPr lang="en-GB" dirty="0"/>
+          </a:p>
+          <a:p>
+            <a:pPr lvl="2"/>
+            <a:endParaRPr lang="en-GB" dirty="0"/>
+          </a:p>
+          <a:p>
+            <a:pPr lvl="2"/>
+            <a:endParaRPr lang="en-GB" i="1" dirty="0"/>
+          </a:p>
+          <a:p>
+            <a:pPr lvl="2"/>
+            <a:endParaRPr lang="en-GB" i="1" dirty="0"/>
+          </a:p>
+          <a:p>
+            <a:pPr marL="63500"/>
+            <a:r>
+              <a:rPr lang="en-GB" i="1" dirty="0"/>
+              <a:t>	</a:t>
+            </a:r>
+          </a:p>
+          <a:p>
+            <a:r>
+              <a:rPr lang="en-GB" b="1" dirty="0"/>
+              <a:t>The </a:t>
+            </a:r>
+            <a:r>
+              <a:rPr lang="en-GB" b="1" dirty="0" err="1"/>
+              <a:t>traceback</a:t>
+            </a:r>
+            <a:r>
+              <a:rPr lang="en-GB" b="1" dirty="0"/>
+              <a:t> module</a:t>
+            </a:r>
+          </a:p>
+          <a:p>
+            <a:pPr marL="447675" lvl="1" indent="-265113">
               <a:buFont typeface="Arial" panose="020B0604020202020204" pitchFamily="34" charset="0"/>
               <a:buChar char="•"/>
             </a:pPr>
             <a:r>
-              <a:rPr lang="en-GB" dirty="0"/>
-              <a:t>The </a:t>
-            </a:r>
-            <a:r>
-              <a:rPr lang="en-GB" dirty="0" err="1"/>
-              <a:t>traceback</a:t>
-            </a:r>
-            <a:r>
-              <a:rPr lang="en-GB" dirty="0"/>
-              <a:t> object incudes attributes such as the line number where the exception occurred, and the stack trace</a:t>
-            </a:r>
-          </a:p>
-          <a:p>
-            <a:pPr lvl="1"/>
-            <a:endParaRPr lang="en-GB" dirty="0"/>
-          </a:p>
-          <a:p>
-            <a:pPr lvl="2"/>
-            <a:endParaRPr lang="en-GB" dirty="0"/>
-          </a:p>
-          <a:p>
-            <a:pPr lvl="2"/>
-            <a:endParaRPr lang="en-GB" i="1" dirty="0"/>
-          </a:p>
-          <a:p>
-            <a:pPr lvl="2"/>
-            <a:endParaRPr lang="en-GB" i="1" dirty="0"/>
-          </a:p>
-          <a:p>
-            <a:pPr marL="63500"/>
-            <a:r>
-              <a:rPr lang="en-GB" i="1" dirty="0"/>
-              <a:t>	</a:t>
-            </a:r>
-          </a:p>
-          <a:p>
-            <a:pPr marL="342900" indent="-342900">
+              <a:rPr lang="en-GB" sz="1800" dirty="0"/>
+              <a:t>Includes utilities to trace back through an exception cascade</a:t>
+            </a:r>
+          </a:p>
+          <a:p>
+            <a:pPr marL="447675" lvl="1" indent="-265113">
               <a:buFont typeface="Arial" panose="020B0604020202020204" pitchFamily="34" charset="0"/>
               <a:buChar char="•"/>
             </a:pPr>
             <a:r>
-              <a:rPr lang="en-GB" b="1" dirty="0"/>
-              <a:t>The </a:t>
-            </a:r>
-            <a:r>
-              <a:rPr lang="en-GB" b="1" dirty="0" err="1"/>
-              <a:t>traceback</a:t>
-            </a:r>
-            <a:r>
-              <a:rPr lang="en-GB" b="1" dirty="0"/>
-              <a:t> module</a:t>
-            </a:r>
-          </a:p>
-          <a:p>
-            <a:pPr lvl="1">
-              <a:buFont typeface="Arial" panose="020B0604020202020204" pitchFamily="34" charset="0"/>
-              <a:buChar char="•"/>
-            </a:pPr>
-            <a:r>
-              <a:rPr lang="en-GB" dirty="0"/>
-              <a:t>Includes utilities to trace back through an exception cascade</a:t>
-            </a:r>
-          </a:p>
-          <a:p>
-            <a:pPr lvl="1">
-              <a:buFont typeface="Arial" panose="020B0604020202020204" pitchFamily="34" charset="0"/>
-              <a:buChar char="•"/>
-            </a:pPr>
-            <a:r>
-              <a:rPr lang="en-GB" dirty="0" err="1">
+              <a:rPr lang="en-GB" sz="1800" dirty="0" err="1">
                 <a:latin typeface="Courier New" panose="02070309020205020404" pitchFamily="49" charset="0"/>
               </a:rPr>
               <a:t>traceback.print_exc</a:t>
             </a:r>
             <a:r>
-              <a:rPr lang="en-GB" dirty="0">
+              <a:rPr lang="en-GB" sz="1800" dirty="0">
                 <a:latin typeface="Courier New" panose="02070309020205020404" pitchFamily="49" charset="0"/>
               </a:rPr>
               <a:t>()</a:t>
             </a:r>
             <a:r>
-              <a:rPr lang="en-GB" dirty="0"/>
+              <a:rPr lang="en-GB" sz="1800" dirty="0"/>
               <a:t> is </a:t>
             </a:r>
             <a:r>
-              <a:rPr lang="en-GB" dirty="0">
+              <a:rPr lang="en-GB" sz="1800" dirty="0">
                 <a:latin typeface="Arial" charset="0"/>
               </a:rPr>
               <a:t>short for </a:t>
             </a:r>
             <a:r>
-              <a:rPr lang="en-GB" dirty="0" err="1">
+              <a:rPr lang="en-GB" sz="1800" dirty="0" err="1">
                 <a:latin typeface="Courier New" panose="02070309020205020404" pitchFamily="49" charset="0"/>
               </a:rPr>
               <a:t>traceback.print_exception</a:t>
             </a:r>
             <a:r>
-              <a:rPr lang="en-GB" dirty="0">
+              <a:rPr lang="en-GB" sz="1800" dirty="0">
                 <a:latin typeface="Courier New" panose="02070309020205020404" pitchFamily="49" charset="0"/>
               </a:rPr>
               <a:t>(*</a:t>
             </a:r>
             <a:r>
-              <a:rPr lang="en-GB" dirty="0" err="1">
+              <a:rPr lang="en-GB" sz="1800" dirty="0" err="1">
                 <a:latin typeface="Courier New" panose="02070309020205020404" pitchFamily="49" charset="0"/>
               </a:rPr>
               <a:t>sys.exc_info</a:t>
             </a:r>
             <a:r>
-              <a:rPr lang="en-GB" dirty="0">
+              <a:rPr lang="en-GB" sz="1800" dirty="0">
                 <a:latin typeface="Courier New" panose="02070309020205020404" pitchFamily="49" charset="0"/>
               </a:rPr>
               <a:t>())</a:t>
             </a:r>
-            <a:endParaRPr lang="en-GB" sz="3200" dirty="0">
+            <a:endParaRPr lang="en-GB" sz="1800" dirty="0">
               <a:latin typeface="Courier New" panose="02070309020205020404" pitchFamily="49" charset="0"/>
               <a:cs typeface="Courier New" pitchFamily="49" charset="0"/>
             </a:endParaRPr>
           </a:p>
           <a:p>
-            <a:pPr lvl="1"/>
-            <a:endParaRPr lang="en-GB" dirty="0">
+            <a:pPr marL="447675" lvl="1" indent="-265113"/>
+            <a:endParaRPr lang="en-GB" sz="1800" dirty="0">
               <a:latin typeface="Courier New" panose="02070309020205020404" pitchFamily="49" charset="0"/>
             </a:endParaRPr>
           </a:p>
@@ -34509,7 +34690,7 @@
         </p:nvSpPr>
         <p:spPr bwMode="auto">
           <a:xfrm>
-            <a:off x="1071060" y="2938299"/>
+            <a:off x="898340" y="2816379"/>
             <a:ext cx="6250429" cy="1477328"/>
           </a:xfrm>
           <a:prstGeom prst="rect">
@@ -34529,6 +34710,13 @@
             <a:headEnd/>
             <a:tailEnd/>
           </a:ln>
+          <a:effectLst>
+            <a:outerShdw blurRad="50800" dist="38100" dir="2700000" algn="tl" rotWithShape="0">
+              <a:prstClr val="black">
+                <a:alpha val="40000"/>
+              </a:prstClr>
+            </a:outerShdw>
+          </a:effectLst>
         </p:spPr>
         <p:txBody>
           <a:bodyPr wrap="none">
@@ -34835,14 +35023,61 @@
         <p:spPr>
           <a:xfrm>
             <a:off x="5014274" y="762418"/>
-            <a:ext cx="6933190" cy="5119407"/>
+            <a:ext cx="6933190" cy="5465662"/>
           </a:xfrm>
         </p:spPr>
         <p:txBody>
           <a:bodyPr/>
           <a:lstStyle/>
           <a:p>
-            <a:pPr marL="342900" indent="-342900">
+            <a:pPr>
+              <a:lnSpc>
+                <a:spcPct val="110000"/>
+              </a:lnSpc>
+            </a:pPr>
+            <a:r>
+              <a:rPr lang="en-GB" b="1" dirty="0"/>
+              <a:t>Write error messages to stderr</a:t>
+            </a:r>
+          </a:p>
+          <a:p>
+            <a:pPr>
+              <a:lnSpc>
+                <a:spcPct val="110000"/>
+              </a:lnSpc>
+            </a:pPr>
+            <a:r>
+              <a:rPr lang="en-GB" b="1" dirty="0"/>
+              <a:t>Most modern languages support exception handling</a:t>
+            </a:r>
+          </a:p>
+          <a:p>
+            <a:pPr marL="447675" lvl="1" indent="-265113"/>
+            <a:r>
+              <a:rPr lang="en-GB" sz="1800" dirty="0"/>
+              <a:t>It is particularly suited to object orientation</a:t>
+            </a:r>
+          </a:p>
+          <a:p>
+            <a:pPr>
+              <a:lnSpc>
+                <a:spcPct val="110000"/>
+              </a:lnSpc>
+            </a:pPr>
+            <a:r>
+              <a:rPr lang="en-GB" b="1" dirty="0"/>
+              <a:t>Exceptions are built-in to Python</a:t>
+            </a:r>
+          </a:p>
+          <a:p>
+            <a:pPr marL="468312" lvl="1" indent="-285750"/>
+            <a:r>
+              <a:rPr lang="en-GB" sz="1800" dirty="0"/>
+              <a:t>Many built-ins raise exceptions</a:t>
+            </a:r>
+          </a:p>
+          <a:p>
+            <a:pPr marL="447675" indent="-265113">
               <a:lnSpc>
                 <a:spcPct val="110000"/>
               </a:lnSpc>
@@ -34850,117 +35085,58 @@
               <a:buChar char="•"/>
             </a:pPr>
             <a:r>
-              <a:rPr lang="en-GB" b="1" dirty="0"/>
-              <a:t>At its simplest level, write error messages to stderr</a:t>
-            </a:r>
-          </a:p>
-          <a:p>
-            <a:pPr marL="342900" indent="-342900">
+              <a:rPr lang="en-GB" sz="1800" dirty="0"/>
+              <a:t>Exceptions are not necessarily an error</a:t>
+            </a:r>
+          </a:p>
+          <a:p>
+            <a:pPr>
               <a:lnSpc>
                 <a:spcPct val="110000"/>
               </a:lnSpc>
-              <a:buFont typeface="Arial" panose="020B0604020202020204" pitchFamily="34" charset="0"/>
-              <a:buChar char="•"/>
             </a:pPr>
             <a:r>
               <a:rPr lang="en-GB" b="1" dirty="0"/>
-              <a:t>Most modern languages support exception handling</a:t>
-            </a:r>
-          </a:p>
-          <a:p>
-            <a:pPr lvl="1"/>
-            <a:r>
-              <a:rPr lang="en-GB" dirty="0"/>
-              <a:t>It is particularly suited to object orientation</a:t>
-            </a:r>
-          </a:p>
-          <a:p>
-            <a:pPr marL="342900" indent="-342900">
+              <a:t>Handle it!</a:t>
+            </a:r>
+          </a:p>
+          <a:p>
+            <a:pPr marL="447675" lvl="1" indent="-265113"/>
+            <a:r>
+              <a:rPr lang="en-GB" sz="1800" dirty="0"/>
+              <a:t>Trap code with try:</a:t>
+            </a:r>
+          </a:p>
+          <a:p>
+            <a:pPr marL="447675" lvl="1" indent="-265113"/>
+            <a:r>
+              <a:rPr lang="en-GB" sz="1800" dirty="0"/>
+              <a:t>Handle with except: </a:t>
+            </a:r>
+          </a:p>
+          <a:p>
+            <a:pPr marL="447675" lvl="1" indent="-265113"/>
+            <a:r>
+              <a:rPr lang="en-GB" sz="1800" dirty="0"/>
+              <a:t>Also support else: and finally:</a:t>
+            </a:r>
+          </a:p>
+          <a:p>
+            <a:pPr>
               <a:lnSpc>
                 <a:spcPct val="110000"/>
               </a:lnSpc>
-              <a:buFont typeface="Arial" panose="020B0604020202020204" pitchFamily="34" charset="0"/>
-              <a:buChar char="•"/>
             </a:pPr>
             <a:r>
               <a:rPr lang="en-GB" b="1" dirty="0"/>
-              <a:t>Exceptions are built-in to Python</a:t>
-            </a:r>
-          </a:p>
-          <a:p>
-            <a:pPr lvl="1"/>
-            <a:r>
-              <a:rPr lang="en-GB" dirty="0"/>
-              <a:t>Many built-ins raise exceptions</a:t>
-            </a:r>
-          </a:p>
-          <a:p>
-            <a:pPr marL="342900" indent="-342900">
+              <a:t>We can also raise our own exceptions</a:t>
+            </a:r>
+          </a:p>
+          <a:p>
+            <a:pPr>
               <a:lnSpc>
                 <a:spcPct val="110000"/>
               </a:lnSpc>
-              <a:buFont typeface="Arial" panose="020B0604020202020204" pitchFamily="34" charset="0"/>
-              <a:buChar char="•"/>
-            </a:pPr>
-            <a:r>
-              <a:rPr lang="en-GB" b="1" dirty="0"/>
-              <a:t>Exceptions are not necessarily an error</a:t>
-            </a:r>
-          </a:p>
-          <a:p>
-            <a:pPr marL="342900" indent="-342900">
-              <a:lnSpc>
-                <a:spcPct val="110000"/>
-              </a:lnSpc>
-              <a:buFont typeface="Arial" panose="020B0604020202020204" pitchFamily="34" charset="0"/>
-              <a:buChar char="•"/>
-            </a:pPr>
-            <a:r>
-              <a:rPr lang="en-GB" b="1" dirty="0"/>
-              <a:t>Handle it!</a:t>
-            </a:r>
-          </a:p>
-          <a:p>
-            <a:pPr lvl="1"/>
-            <a:r>
-              <a:rPr lang="en-GB" dirty="0"/>
-              <a:t>Trap code with try:</a:t>
-            </a:r>
-          </a:p>
-          <a:p>
-            <a:pPr lvl="1"/>
-            <a:r>
-              <a:rPr lang="en-GB" dirty="0"/>
-              <a:t>Handle with except: </a:t>
-            </a:r>
-          </a:p>
-          <a:p>
-            <a:pPr lvl="1"/>
-            <a:r>
-              <a:rPr lang="en-GB" dirty="0"/>
-              <a:t>Also support else: and finally:</a:t>
-            </a:r>
-          </a:p>
-          <a:p>
-            <a:pPr marL="342900" indent="-342900">
-              <a:lnSpc>
-                <a:spcPct val="110000"/>
-              </a:lnSpc>
-              <a:buFont typeface="Arial" panose="020B0604020202020204" pitchFamily="34" charset="0"/>
-              <a:buChar char="•"/>
-            </a:pPr>
-            <a:r>
-              <a:rPr lang="en-GB" b="1" dirty="0"/>
-              <a:t>We can also raise our own exceptions</a:t>
-            </a:r>
-          </a:p>
-          <a:p>
-            <a:pPr marL="342900" indent="-342900">
-              <a:lnSpc>
-                <a:spcPct val="110000"/>
-              </a:lnSpc>
-              <a:buFont typeface="Arial" panose="020B0604020202020204" pitchFamily="34" charset="0"/>
-              <a:buChar char="•"/>
             </a:pPr>
             <a:r>
               <a:rPr lang="en-GB" b="1" dirty="0"/>
@@ -35076,76 +35252,72 @@
           <a:bodyPr/>
           <a:lstStyle/>
           <a:p>
-            <a:pPr marL="342900" indent="-342900">
+            <a:r>
+              <a:rPr lang="en-GB" b="1" dirty="0"/>
+              <a:t>Context managers execute entry and exit code</a:t>
+            </a:r>
+          </a:p>
+          <a:p>
+            <a:pPr marL="447675" lvl="1" indent="-265113">
               <a:buFont typeface="Arial" panose="020B0604020202020204" pitchFamily="34" charset="0"/>
               <a:buChar char="•"/>
             </a:pPr>
             <a:r>
-              <a:rPr lang="en-GB" b="1" dirty="0"/>
-              <a:t>Context managers execute entry and exit code</a:t>
-            </a:r>
-          </a:p>
-          <a:p>
-            <a:pPr lvl="1">
+              <a:rPr lang="en-GB" sz="1800" dirty="0"/>
+              <a:t>Special methods </a:t>
+            </a:r>
+            <a:r>
+              <a:rPr lang="en-GB" sz="1800" dirty="0">
+                <a:latin typeface="Courier New" panose="02070309020205020404" pitchFamily="49" charset="0"/>
+              </a:rPr>
+              <a:t>__enter__</a:t>
+            </a:r>
+            <a:r>
+              <a:rPr lang="en-GB" sz="1800" dirty="0"/>
+              <a:t> and </a:t>
+            </a:r>
+            <a:r>
+              <a:rPr lang="en-GB" sz="1800" dirty="0">
+                <a:latin typeface="Courier New" panose="02070309020205020404" pitchFamily="49" charset="0"/>
+              </a:rPr>
+              <a:t>__exit__</a:t>
+            </a:r>
+          </a:p>
+          <a:p>
+            <a:pPr marL="447675" lvl="1" indent="-265113">
               <a:buFont typeface="Arial" panose="020B0604020202020204" pitchFamily="34" charset="0"/>
               <a:buChar char="•"/>
             </a:pPr>
             <a:r>
-              <a:rPr lang="en-GB" dirty="0"/>
-              <a:t>Special methods </a:t>
-            </a:r>
-            <a:r>
-              <a:rPr lang="en-GB" dirty="0">
-                <a:latin typeface="Courier New" panose="02070309020205020404" pitchFamily="49" charset="0"/>
-              </a:rPr>
-              <a:t>__enter__</a:t>
-            </a:r>
-            <a:r>
-              <a:rPr lang="en-GB" dirty="0"/>
-              <a:t> and </a:t>
-            </a:r>
-            <a:r>
-              <a:rPr lang="en-GB" dirty="0">
+              <a:rPr lang="en-GB" sz="1800" dirty="0">
                 <a:latin typeface="Courier New" panose="02070309020205020404" pitchFamily="49" charset="0"/>
               </a:rPr>
               <a:t>__exit__</a:t>
             </a:r>
-          </a:p>
-          <a:p>
-            <a:pPr lvl="1">
+            <a:r>
+              <a:rPr lang="en-GB" sz="1800" dirty="0">
+                <a:cs typeface="Arial" charset="0"/>
+              </a:rPr>
+              <a:t> may handle exceptions, or close resources</a:t>
+            </a:r>
+          </a:p>
+          <a:p>
+            <a:pPr marL="447675" lvl="1" indent="-265113">
               <a:buFont typeface="Arial" panose="020B0604020202020204" pitchFamily="34" charset="0"/>
               <a:buChar char="•"/>
             </a:pPr>
             <a:r>
-              <a:rPr lang="en-GB" dirty="0">
-                <a:latin typeface="Courier New" panose="02070309020205020404" pitchFamily="49" charset="0"/>
-              </a:rPr>
-              <a:t>__exit__</a:t>
-            </a:r>
-            <a:r>
-              <a:rPr lang="en-GB" dirty="0">
-                <a:cs typeface="Arial" charset="0"/>
-              </a:rPr>
-              <a:t> may handle exceptions, or close resources</a:t>
-            </a:r>
-          </a:p>
-          <a:p>
-            <a:pPr lvl="1">
-              <a:buFont typeface="Arial" panose="020B0604020202020204" pitchFamily="34" charset="0"/>
-              <a:buChar char="•"/>
-            </a:pPr>
-            <a:r>
-              <a:rPr lang="en-GB" dirty="0"/>
+              <a:rPr lang="en-GB" sz="1800" dirty="0"/>
               <a:t>Used with </a:t>
             </a:r>
             <a:r>
-              <a:rPr lang="en-GB" dirty="0" err="1">
+              <a:rPr lang="en-GB" sz="1800" dirty="0" err="1">
                 <a:latin typeface="Courier New" panose="02070309020205020404" pitchFamily="49" charset="0"/>
               </a:rPr>
               <a:t>with</a:t>
             </a:r>
             <a:r>
-              <a:rPr lang="en-GB" dirty="0"/>
+              <a:rPr lang="en-GB" sz="1800" dirty="0"/>
               <a:t> </a:t>
             </a:r>
           </a:p>
@@ -35165,20 +35337,22 @@
             <a:endParaRPr lang="en-GB" dirty="0"/>
           </a:p>
           <a:p>
-            <a:pPr lvl="1">
+            <a:pPr marL="88900" lvl="1" indent="0">
+              <a:buNone/>
+            </a:pPr>
+            <a:r>
+              <a:rPr lang="en-GB" b="1" dirty="0"/>
+              <a:t>File objects are context objects</a:t>
+            </a:r>
+          </a:p>
+          <a:p>
+            <a:pPr marL="447675" lvl="2" indent="-265113">
               <a:buFont typeface="Arial" panose="020B0604020202020204" pitchFamily="34" charset="0"/>
               <a:buChar char="•"/>
             </a:pPr>
             <a:r>
-              <a:rPr lang="en-GB" dirty="0"/>
-              <a:t>File objects are context objects</a:t>
-            </a:r>
-          </a:p>
-          <a:p>
-            <a:pPr lvl="2"/>
-            <a:r>
               <a:rPr lang="en-GB" sz="1800" dirty="0"/>
-              <a:t> Means we do not need finally blocks</a:t>
+              <a:t>Means we do not need finally blocks</a:t>
             </a:r>
           </a:p>
         </p:txBody>
@@ -35193,7 +35367,7 @@
         </p:nvSpPr>
         <p:spPr bwMode="auto">
           <a:xfrm>
-            <a:off x="1058306" y="3105943"/>
+            <a:off x="804306" y="2882423"/>
             <a:ext cx="4926013" cy="646113"/>
           </a:xfrm>
           <a:prstGeom prst="rect">
@@ -35213,6 +35387,13 @@
             <a:headEnd/>
             <a:tailEnd/>
           </a:ln>
+          <a:effectLst>
+            <a:outerShdw blurRad="50800" dist="38100" dir="2700000" algn="tl" rotWithShape="0">
+              <a:prstClr val="black">
+                <a:alpha val="40000"/>
+              </a:prstClr>
+            </a:outerShdw>
+          </a:effectLst>
         </p:spPr>
         <p:txBody>
           <a:bodyPr wrap="square">
@@ -35360,9 +35541,12 @@
               <a:t>    </a:t>
             </a:r>
             <a:r>
-              <a:rPr lang="en-GB" sz="1800" i="1" dirty="0"/>
-              <a:t>code</a:t>
-            </a:r>
+              <a:rPr lang="en-GB" sz="1800" i="1" dirty="0">
+                <a:latin typeface="Courier New" panose="02070309020205020404" pitchFamily="49" charset="0"/>
+              </a:rPr>
+              <a:t>BLOCK</a:t>
+            </a:r>
+            <a:endParaRPr lang="en-GB" sz="1800" i="1" dirty="0"/>
           </a:p>
         </p:txBody>
       </p:sp>
@@ -35376,8 +35560,8 @@
         </p:nvSpPr>
         <p:spPr bwMode="auto">
           <a:xfrm>
-            <a:off x="1058306" y="4827755"/>
-            <a:ext cx="4926013" cy="1323975"/>
+            <a:off x="804306" y="4645193"/>
+            <a:ext cx="5285421" cy="1323439"/>
           </a:xfrm>
           <a:prstGeom prst="rect">
             <a:avLst/>
@@ -35396,6 +35580,13 @@
             <a:headEnd/>
             <a:tailEnd/>
           </a:ln>
+          <a:effectLst>
+            <a:outerShdw blurRad="50800" dist="38100" dir="2700000" algn="tl" rotWithShape="0">
+              <a:prstClr val="black">
+                <a:alpha val="40000"/>
+              </a:prstClr>
+            </a:outerShdw>
+          </a:effectLst>
         </p:spPr>
         <p:txBody>
           <a:bodyPr wrap="none">
@@ -35509,13 +35700,13 @@
               <a:rPr lang="en-GB" sz="1800" dirty="0">
                 <a:latin typeface="Courier New" panose="02070309020205020404" pitchFamily="49" charset="0"/>
               </a:rPr>
-              <a:t>with open('gash.txt', 'r') as </a:t>
+              <a:t>with open('spam.txt', 'rt') as </a:t>
             </a:r>
             <a:r>
               <a:rPr lang="en-GB" sz="1800" dirty="0" err="1">
                 <a:latin typeface="Courier New" panose="02070309020205020404" pitchFamily="49" charset="0"/>
               </a:rPr>
-              <a:t>var</a:t>
+              <a:t>fh_in</a:t>
             </a:r>
             <a:r>
               <a:rPr lang="en-GB" sz="1800" dirty="0">
@@ -35540,7 +35731,7 @@
               <a:rPr lang="en-GB" sz="1800" dirty="0" err="1">
                 <a:latin typeface="Courier New" panose="02070309020205020404" pitchFamily="49" charset="0"/>
               </a:rPr>
-              <a:t>var</a:t>
+              <a:t>fh_in</a:t>
             </a:r>
             <a:r>
               <a:rPr lang="en-GB" sz="1800" dirty="0">
@@ -35588,7 +35779,7 @@
               <a:rPr lang="en-GB" sz="1800" dirty="0" err="1">
                 <a:latin typeface="Courier New" panose="02070309020205020404" pitchFamily="49" charset="0"/>
               </a:rPr>
-              <a:t>var</a:t>
+              <a:t>fh_in</a:t>
             </a:r>
             <a:r>
               <a:rPr lang="en-GB" sz="1800" dirty="0">
@@ -35609,8 +35800,8 @@
         </p:nvSpPr>
         <p:spPr bwMode="auto">
           <a:xfrm>
-            <a:off x="1032905" y="6378741"/>
-            <a:ext cx="7575550" cy="368300"/>
+            <a:off x="2602626" y="5849050"/>
+            <a:ext cx="7491153" cy="369332"/>
           </a:xfrm>
           <a:prstGeom prst="rect">
             <a:avLst/>
@@ -35626,6 +35817,13 @@
             <a:headEnd/>
             <a:tailEnd/>
           </a:ln>
+          <a:effectLst>
+            <a:outerShdw blurRad="50800" dist="38100" dir="2700000" algn="tl" rotWithShape="0">
+              <a:prstClr val="black">
+                <a:alpha val="40000"/>
+              </a:prstClr>
+            </a:outerShdw>
+          </a:effectLst>
         </p:spPr>
         <p:txBody>
           <a:bodyPr wrap="none">
@@ -35751,46 +35949,12 @@
               <a:rPr lang="en-GB" sz="1800" dirty="0">
                 <a:latin typeface="Courier New" panose="02070309020205020404" pitchFamily="49" charset="0"/>
               </a:rPr>
-              <a:t> name='gash.txt' encoding='cp1252'&gt;</a:t>
+              <a:t> name='spam.txt' encoding='cp1252'&gt;</a:t>
             </a:r>
             <a:endParaRPr lang="en-GB" dirty="0"/>
           </a:p>
         </p:txBody>
       </p:sp>
-      <p:cxnSp>
-        <p:nvCxnSpPr>
-          <p:cNvPr id="20487" name="Straight Arrow Connector 7"/>
-          <p:cNvCxnSpPr>
-            <a:cxnSpLocks noChangeShapeType="1"/>
-          </p:cNvCxnSpPr>
-          <p:nvPr/>
-        </p:nvCxnSpPr>
-        <p:spPr bwMode="auto">
-          <a:xfrm rot="10800000">
-            <a:off x="2521981" y="6016792"/>
-            <a:ext cx="835025" cy="314325"/>
-          </a:xfrm>
-          <a:prstGeom prst="straightConnector1">
-            <a:avLst/>
-          </a:prstGeom>
-          <a:noFill/>
-          <a:ln w="9525" algn="ctr">
-            <a:solidFill>
-              <a:schemeClr val="tx1"/>
-            </a:solidFill>
-            <a:round/>
-            <a:headEnd/>
-            <a:tailEnd type="arrow" w="med" len="med"/>
-          </a:ln>
-          <a:extLst>
-            <a:ext uri="{909E8E84-426E-40dd-AFC4-6F175D3DCCD1}">
-              <a14:hiddenFill xmlns="" xmlns:a14="http://schemas.microsoft.com/office/drawing/2010/main">
-                <a:noFill/>
-              </a14:hiddenFill>
-            </a:ext>
-          </a:extLst>
-        </p:spPr>
-      </p:cxnSp>
     </p:spTree>
     <p:extLst>
       <p:ext uri="{BB962C8B-B14F-4D97-AF65-F5344CB8AC3E}">
@@ -36059,7 +36223,7 @@
             <a:endParaRPr lang="en-GB" b="1" dirty="0"/>
           </a:p>
           <a:p>
-            <a:pPr lvl="1">
+            <a:pPr marL="450850" lvl="1" indent="-269875">
               <a:buFont typeface="Arial" panose="020B0604020202020204" pitchFamily="34" charset="0"/>
               <a:buChar char="•"/>
             </a:pPr>
@@ -36069,7 +36233,7 @@
             </a:r>
           </a:p>
           <a:p>
-            <a:pPr lvl="1">
+            <a:pPr marL="450850" lvl="1" indent="-269875">
               <a:buFont typeface="Arial" panose="020B0604020202020204" pitchFamily="34" charset="0"/>
               <a:buChar char="•"/>
             </a:pPr>
@@ -36087,14 +36251,17 @@
             </a:r>
           </a:p>
           <a:p>
-            <a:pPr lvl="2"/>
+            <a:pPr marL="450850" lvl="2" indent="-269875">
+              <a:buFont typeface="Arial" panose="020B0604020202020204" pitchFamily="34" charset="0"/>
+              <a:buChar char="•"/>
+            </a:pPr>
             <a:r>
               <a:rPr lang="en-GB" sz="1900" dirty="0"/>
-              <a:t> Syntax for using stderr with print changed at Python 3</a:t>
-            </a:r>
-          </a:p>
-          <a:p>
-            <a:pPr lvl="1">
+              <a:t>Syntax for using stderr with print changed at Python 3</a:t>
+            </a:r>
+          </a:p>
+          <a:p>
+            <a:pPr marL="450850" lvl="1" indent="-269875">
               <a:buFont typeface="Arial" panose="020B0604020202020204" pitchFamily="34" charset="0"/>
               <a:buChar char="•"/>
             </a:pPr>
@@ -36148,16 +36315,28 @@
             <a:endParaRPr lang="en-GB" sz="1800" dirty="0"/>
           </a:p>
           <a:p>
-            <a:pPr lvl="1"/>
-            <a:endParaRPr lang="en-GB" sz="1800" dirty="0"/>
-          </a:p>
-          <a:p>
-            <a:pPr lvl="1"/>
-            <a:endParaRPr lang="en-GB" sz="1800" dirty="0"/>
-          </a:p>
-          <a:p>
-            <a:pPr lvl="1"/>
-            <a:endParaRPr lang="en-GB" sz="1800" dirty="0"/>
+            <a:pPr lvl="1">
+              <a:buFont typeface="Arial" panose="020B0604020202020204" pitchFamily="34" charset="0"/>
+              <a:buChar char="•"/>
+            </a:pPr>
+            <a:r>
+              <a:rPr lang="en-GB" sz="2200" dirty="0"/>
+              <a:t>In Python 3, we can use the file parameter</a:t>
+            </a:r>
+          </a:p>
+          <a:p>
+            <a:pPr lvl="1">
+              <a:buFont typeface="Arial" panose="020B0604020202020204" pitchFamily="34" charset="0"/>
+              <a:buChar char="•"/>
+            </a:pPr>
+            <a:endParaRPr lang="en-GB" sz="2200" dirty="0"/>
+          </a:p>
+          <a:p>
+            <a:pPr lvl="1">
+              <a:buFont typeface="Arial" panose="020B0604020202020204" pitchFamily="34" charset="0"/>
+              <a:buChar char="•"/>
+            </a:pPr>
+            <a:endParaRPr lang="en-GB" sz="2200" dirty="0"/>
           </a:p>
           <a:p>
             <a:pPr lvl="1">
@@ -36197,7 +36376,7 @@
         </p:nvSpPr>
         <p:spPr bwMode="auto">
           <a:xfrm>
-            <a:off x="1069607" y="3144145"/>
+            <a:off x="787385" y="3059668"/>
             <a:ext cx="3768980" cy="369332"/>
           </a:xfrm>
           <a:prstGeom prst="rect">
@@ -36214,6 +36393,13 @@
             <a:headEnd/>
             <a:tailEnd/>
           </a:ln>
+          <a:effectLst>
+            <a:outerShdw blurRad="50800" dist="38100" dir="2700000" algn="tl" rotWithShape="0">
+              <a:prstClr val="black">
+                <a:alpha val="40000"/>
+              </a:prstClr>
+            </a:outerShdw>
+          </a:effectLst>
         </p:spPr>
         <p:txBody>
           <a:bodyPr wrap="none">
@@ -36337,12 +36523,18 @@
         </p:nvGrpSpPr>
         <p:grpSpPr bwMode="auto">
           <a:xfrm>
-            <a:off x="1074597" y="3483871"/>
+            <a:off x="787385" y="3429000"/>
             <a:ext cx="7594600" cy="1522413"/>
             <a:chOff x="662" y="2431"/>
             <a:chExt cx="4784" cy="959"/>
           </a:xfrm>
-          <a:effectLst/>
+          <a:effectLst>
+            <a:outerShdw blurRad="50800" dist="38100" dir="2700000" algn="tl" rotWithShape="0">
+              <a:prstClr val="black">
+                <a:alpha val="40000"/>
+              </a:prstClr>
+            </a:outerShdw>
+          </a:effectLst>
         </p:grpSpPr>
         <p:sp>
           <p:nvSpPr>
@@ -36758,8 +36950,8 @@
         </p:nvSpPr>
         <p:spPr bwMode="auto">
           <a:xfrm>
-            <a:off x="1096823" y="5357120"/>
-            <a:ext cx="7375525" cy="376238"/>
+            <a:off x="787385" y="5489744"/>
+            <a:ext cx="6801862" cy="369332"/>
           </a:xfrm>
           <a:prstGeom prst="rect">
             <a:avLst/>
@@ -36778,7 +36970,13 @@
             <a:headEnd/>
             <a:tailEnd/>
           </a:ln>
-          <a:effectLst/>
+          <a:effectLst>
+            <a:outerShdw blurRad="50800" dist="38100" dir="2700000" algn="tl" rotWithShape="0">
+              <a:prstClr val="black">
+                <a:alpha val="40000"/>
+              </a:prstClr>
+            </a:outerShdw>
+          </a:effectLst>
         </p:spPr>
         <p:txBody>
           <a:bodyPr wrap="none">
@@ -36892,7 +37090,7 @@
               <a:rPr lang="en-GB" sz="1800" dirty="0">
                 <a:latin typeface="Courier New" panose="02070309020205020404" pitchFamily="49" charset="0"/>
               </a:rPr>
-              <a:t>    print("Invalid types compared", file=</a:t>
+              <a:t>print("Invalid types compared", file=</a:t>
             </a:r>
             <a:r>
               <a:rPr lang="en-GB" sz="1800" dirty="0" err="1">
@@ -36978,40 +37176,39 @@
           </a:bodyPr>
           <a:lstStyle/>
           <a:p>
-            <a:pPr marL="342900" indent="-342900">
+            <a:r>
+              <a:rPr lang="en-GB" b="1" dirty="0"/>
+              <a:t>Warnings can be generated by Python and by user code</a:t>
+            </a:r>
+          </a:p>
+          <a:p>
+            <a:pPr marL="450850" lvl="1" indent="-269875">
               <a:buFont typeface="Arial" panose="020B0604020202020204" pitchFamily="34" charset="0"/>
               <a:buChar char="•"/>
             </a:pPr>
             <a:r>
-              <a:rPr lang="en-GB" b="1" dirty="0"/>
-              <a:t>Warnings can be generated by Python and by user code</a:t>
-            </a:r>
-          </a:p>
-          <a:p>
-            <a:pPr lvl="1">
+              <a:rPr lang="en-GB" sz="1800" dirty="0"/>
+              <a:t>Is a warning to be issued?</a:t>
+            </a:r>
+          </a:p>
+          <a:p>
+            <a:pPr marL="450850" lvl="1" indent="-269875">
               <a:buFont typeface="Arial" panose="020B0604020202020204" pitchFamily="34" charset="0"/>
               <a:buChar char="•"/>
             </a:pPr>
             <a:r>
-              <a:rPr lang="en-GB" dirty="0"/>
-              <a:t>Is a warning to be issued?</a:t>
-            </a:r>
-          </a:p>
-          <a:p>
-            <a:pPr lvl="1">
+              <a:rPr lang="en-GB" sz="1800" dirty="0"/>
+              <a:t>Where should the warning be sent?</a:t>
+            </a:r>
+          </a:p>
+          <a:p>
+            <a:pPr marL="466725" lvl="2" indent="-285750">
               <a:buFont typeface="Arial" panose="020B0604020202020204" pitchFamily="34" charset="0"/>
               <a:buChar char="•"/>
             </a:pPr>
             <a:r>
-              <a:rPr lang="en-GB" dirty="0"/>
-              <a:t>Where should the warning be sent?</a:t>
-            </a:r>
-          </a:p>
-          <a:p>
-            <a:pPr lvl="2"/>
-            <a:r>
               <a:rPr lang="en-GB" sz="1800" dirty="0"/>
-              <a:t> Default: </a:t>
+              <a:t>Default: </a:t>
             </a:r>
             <a:r>
               <a:rPr lang="en-GB" sz="1800" dirty="0" err="1"/>
@@ -37020,10 +37217,6 @@
             <a:endParaRPr lang="en-GB" sz="1800" dirty="0"/>
           </a:p>
           <a:p>
-            <a:pPr marL="342900" indent="-342900">
-              <a:buFont typeface="Arial" panose="020B0604020202020204" pitchFamily="34" charset="0"/>
-              <a:buChar char="•"/>
-            </a:pPr>
             <a:r>
               <a:rPr lang="en-GB" b="1" dirty="0"/>
               <a:t>The </a:t>
@@ -37040,98 +37233,94 @@
             </a:r>
           </a:p>
           <a:p>
-            <a:pPr lvl="1">
+            <a:pPr marL="450850" lvl="1" indent="-269875">
               <a:buFont typeface="Arial" panose="020B0604020202020204" pitchFamily="34" charset="0"/>
               <a:buChar char="•"/>
             </a:pPr>
             <a:r>
-              <a:rPr lang="en-GB" dirty="0"/>
+              <a:rPr lang="en-GB" sz="1800" dirty="0"/>
               <a:t>Generate user warnings with </a:t>
             </a:r>
             <a:r>
-              <a:rPr lang="en-GB" dirty="0" err="1">
+              <a:rPr lang="en-GB" sz="1800" dirty="0" err="1">
                 <a:latin typeface="Courier New" panose="02070309020205020404" pitchFamily="49" charset="0"/>
               </a:rPr>
               <a:t>warnings.warn</a:t>
             </a:r>
             <a:r>
-              <a:rPr lang="en-GB" dirty="0">
+              <a:rPr lang="en-GB" sz="1800" dirty="0">
                 <a:latin typeface="Courier New" panose="02070309020205020404" pitchFamily="49" charset="0"/>
               </a:rPr>
               <a:t>()</a:t>
             </a:r>
             <a:r>
-              <a:rPr lang="en-GB" dirty="0"/>
+              <a:rPr lang="en-GB" sz="1800" dirty="0"/>
               <a:t> </a:t>
             </a:r>
           </a:p>
           <a:p>
-            <a:pPr lvl="1">
+            <a:pPr marL="450850" lvl="1" indent="-269875">
               <a:buFont typeface="Arial" panose="020B0604020202020204" pitchFamily="34" charset="0"/>
               <a:buChar char="•"/>
             </a:pPr>
             <a:r>
-              <a:rPr lang="en-GB" dirty="0"/>
+              <a:rPr lang="en-GB" sz="1800" dirty="0"/>
               <a:t>Sending and formatting uses functions which can be overridden</a:t>
             </a:r>
           </a:p>
           <a:p>
-            <a:pPr lvl="1">
+            <a:pPr marL="450850" lvl="1" indent="-269875">
               <a:buFont typeface="Arial" panose="020B0604020202020204" pitchFamily="34" charset="0"/>
               <a:buChar char="•"/>
             </a:pPr>
             <a:r>
-              <a:rPr lang="en-GB" dirty="0"/>
+              <a:rPr lang="en-GB" sz="1800" dirty="0"/>
               <a:t>Warnings can be filtered by type, text, or category</a:t>
             </a:r>
           </a:p>
           <a:p>
-            <a:pPr marL="342900" indent="-342900">
+            <a:r>
+              <a:rPr lang="en-GB" b="1" dirty="0"/>
+              <a:t>Can be controlled through the -</a:t>
+            </a:r>
+            <a:r>
+              <a:rPr lang="en-GB" b="1" dirty="0" err="1"/>
+              <a:t>Wd</a:t>
+            </a:r>
+            <a:r>
+              <a:rPr lang="en-GB" b="1" dirty="0"/>
+              <a:t> command-line option</a:t>
+            </a:r>
+          </a:p>
+          <a:p>
+            <a:pPr marL="450850" lvl="1" indent="-269875">
               <a:buFont typeface="Arial" panose="020B0604020202020204" pitchFamily="34" charset="0"/>
               <a:buChar char="•"/>
             </a:pPr>
             <a:r>
-              <a:rPr lang="en-GB" b="1" dirty="0"/>
-              <a:t>Can be controlled through the -</a:t>
-            </a:r>
-            <a:r>
-              <a:rPr lang="en-GB" b="1" dirty="0" err="1"/>
-              <a:t>Wd</a:t>
-            </a:r>
-            <a:r>
-              <a:rPr lang="en-GB" b="1" dirty="0"/>
-              <a:t> command-line option</a:t>
-            </a:r>
-          </a:p>
-          <a:p>
-            <a:pPr lvl="1">
+              <a:rPr lang="en-GB" sz="1800" dirty="0"/>
+              <a:t>This makes warnings visible that are usually ignored</a:t>
+            </a:r>
+          </a:p>
+          <a:p>
+            <a:pPr marL="450850" lvl="1" indent="-269875">
               <a:buFont typeface="Arial" panose="020B0604020202020204" pitchFamily="34" charset="0"/>
               <a:buChar char="•"/>
             </a:pPr>
             <a:r>
-              <a:rPr lang="en-GB" dirty="0"/>
-              <a:t>This makes warnings visible that are usually ignored</a:t>
-            </a:r>
-          </a:p>
-          <a:p>
-            <a:pPr lvl="1">
-              <a:buFont typeface="Arial" panose="020B0604020202020204" pitchFamily="34" charset="0"/>
-              <a:buChar char="•"/>
-            </a:pPr>
-            <a:r>
-              <a:rPr lang="en-GB" dirty="0" err="1"/>
+              <a:rPr lang="en-GB" sz="1800" dirty="0" err="1"/>
               <a:t>DeprecationWarnings</a:t>
             </a:r>
             <a:r>
-              <a:rPr lang="en-GB" dirty="0"/>
+              <a:rPr lang="en-GB" sz="1800" dirty="0"/>
               <a:t> are not displayed unless turned on using -</a:t>
             </a:r>
             <a:r>
-              <a:rPr lang="en-GB" dirty="0" err="1"/>
+              <a:rPr lang="en-GB" sz="1800" dirty="0" err="1"/>
               <a:t>Wd</a:t>
             </a:r>
             <a:r>
-              <a:rPr lang="en-GB" dirty="0"/>
+              <a:rPr lang="en-GB" sz="1800" dirty="0"/>
               <a:t> or a warnings filter</a:t>
             </a:r>
           </a:p>
@@ -37208,19 +37397,15 @@
           <a:bodyPr/>
           <a:lstStyle/>
           <a:p>
-            <a:pPr marL="342900" indent="-342900">
-              <a:buFont typeface="Arial" panose="020B0604020202020204" pitchFamily="34" charset="0"/>
-              <a:buChar char="•"/>
-            </a:pPr>
-            <a:r>
-              <a:rPr lang="en-GB" dirty="0"/>
+            <a:r>
+              <a:rPr lang="en-GB" b="1" dirty="0"/>
               <a:t>Raise a non-fatal </a:t>
             </a:r>
             <a:r>
-              <a:rPr lang="en-GB" dirty="0" err="1"/>
+              <a:rPr lang="en-GB" b="1" dirty="0" err="1"/>
               <a:t>UserWarning</a:t>
             </a:r>
-            <a:endParaRPr lang="en-GB" dirty="0"/>
+            <a:endParaRPr lang="en-GB" b="1" dirty="0"/>
           </a:p>
           <a:p>
             <a:pPr marL="342900" indent="-342900">
@@ -37251,12 +37436,8 @@
             <a:endParaRPr lang="en-GB" dirty="0"/>
           </a:p>
           <a:p>
-            <a:pPr marL="342900" indent="-342900">
-              <a:buFont typeface="Arial" panose="020B0604020202020204" pitchFamily="34" charset="0"/>
-              <a:buChar char="•"/>
-            </a:pPr>
-            <a:r>
-              <a:rPr lang="en-GB" dirty="0"/>
+            <a:r>
+              <a:rPr lang="en-GB" b="1" dirty="0"/>
               <a:t>Turn a warning into a fatal exception</a:t>
             </a:r>
           </a:p>
@@ -37272,7 +37453,7 @@
         </p:nvSpPr>
         <p:spPr bwMode="auto">
           <a:xfrm>
-            <a:off x="1031876" y="3645533"/>
+            <a:off x="828676" y="3645533"/>
             <a:ext cx="6459537" cy="2862262"/>
           </a:xfrm>
           <a:prstGeom prst="rect">
@@ -37292,6 +37473,13 @@
             <a:headEnd/>
             <a:tailEnd/>
           </a:ln>
+          <a:effectLst>
+            <a:outerShdw blurRad="50800" dist="38100" dir="2700000" algn="tl" rotWithShape="0">
+              <a:prstClr val="black">
+                <a:alpha val="40000"/>
+              </a:prstClr>
+            </a:outerShdw>
+          </a:effectLst>
         </p:spPr>
         <p:txBody>
           <a:bodyPr wrap="none">
@@ -37536,7 +37724,7 @@
         </p:nvSpPr>
         <p:spPr bwMode="auto">
           <a:xfrm>
-            <a:off x="1031876" y="1760519"/>
+            <a:off x="828676" y="1760519"/>
             <a:ext cx="6457950" cy="1200150"/>
           </a:xfrm>
           <a:prstGeom prst="rect">
@@ -37556,6 +37744,13 @@
             <a:headEnd/>
             <a:tailEnd/>
           </a:ln>
+          <a:effectLst>
+            <a:outerShdw blurRad="50800" dist="38100" dir="2700000" algn="tl" rotWithShape="0">
+              <a:prstClr val="black">
+                <a:alpha val="40000"/>
+              </a:prstClr>
+            </a:outerShdw>
+          </a:effectLst>
         </p:spPr>
         <p:txBody>
           <a:bodyPr>
@@ -37721,8 +37916,8 @@
         </p:nvSpPr>
         <p:spPr bwMode="auto">
           <a:xfrm>
-            <a:off x="4625977" y="2127231"/>
-            <a:ext cx="4044697" cy="923330"/>
+            <a:off x="5890334" y="2338665"/>
+            <a:ext cx="4043890" cy="923330"/>
           </a:xfrm>
           <a:prstGeom prst="rect">
             <a:avLst/>
@@ -37738,9 +37933,16 @@
             <a:headEnd/>
             <a:tailEnd/>
           </a:ln>
+          <a:effectLst>
+            <a:outerShdw blurRad="50800" dist="38100" dir="2700000" algn="tl" rotWithShape="0">
+              <a:prstClr val="black">
+                <a:alpha val="40000"/>
+              </a:prstClr>
+            </a:outerShdw>
+          </a:effectLst>
         </p:spPr>
         <p:txBody>
-          <a:bodyPr wrap="none">
+          <a:bodyPr wrap="square">
             <a:spAutoFit/>
           </a:bodyPr>
           <a:lstStyle>
@@ -37914,23 +38116,30 @@
         </p:nvSpPr>
         <p:spPr>
           <a:xfrm>
-            <a:off x="6929438" y="3376532"/>
-            <a:ext cx="2968625" cy="1200329"/>
+            <a:off x="6824221" y="3534436"/>
+            <a:ext cx="3110003" cy="584775"/>
           </a:xfrm>
           <a:prstGeom prst="rect">
             <a:avLst/>
           </a:prstGeom>
           <a:solidFill>
-            <a:schemeClr val="accent3"/>
+            <a:schemeClr val="bg1"/>
           </a:solidFill>
           <a:ln>
             <a:solidFill>
               <a:schemeClr val="tx1"/>
             </a:solidFill>
           </a:ln>
+          <a:effectLst>
+            <a:outerShdw blurRad="50800" dist="38100" dir="2700000" algn="tl" rotWithShape="0">
+              <a:prstClr val="black">
+                <a:alpha val="40000"/>
+              </a:prstClr>
+            </a:outerShdw>
+          </a:effectLst>
         </p:spPr>
         <p:txBody>
-          <a:bodyPr>
+          <a:bodyPr wrap="square">
             <a:spAutoFit/>
           </a:bodyPr>
           <a:lstStyle/>
@@ -37939,7 +38148,7 @@
               <a:defRPr/>
             </a:pPr>
             <a:r>
-              <a:rPr lang="en-GB" dirty="0"/>
+              <a:rPr lang="en-GB" sz="1600" dirty="0"/>
               <a:t>Equivalent to -Wd option</a:t>
             </a:r>
           </a:p>
@@ -37948,11 +38157,11 @@
               <a:defRPr/>
             </a:pPr>
             <a:r>
-              <a:rPr lang="en-GB" dirty="0" err="1"/>
+              <a:rPr lang="en-GB" sz="1600" dirty="0" err="1"/>
               <a:t>RegExp</a:t>
             </a:r>
             <a:r>
-              <a:rPr lang="en-GB" dirty="0"/>
+              <a:rPr lang="en-GB" sz="1600" dirty="0"/>
               <a:t> filter (all warnings)</a:t>
             </a:r>
           </a:p>
@@ -37966,23 +38175,30 @@
         </p:nvSpPr>
         <p:spPr>
           <a:xfrm>
-            <a:off x="6824221" y="4804123"/>
-            <a:ext cx="2968625" cy="646112"/>
+            <a:off x="6824221" y="5067522"/>
+            <a:ext cx="3746243" cy="338554"/>
           </a:xfrm>
           <a:prstGeom prst="rect">
             <a:avLst/>
           </a:prstGeom>
           <a:solidFill>
-            <a:schemeClr val="accent3"/>
+            <a:schemeClr val="bg1"/>
           </a:solidFill>
           <a:ln>
             <a:solidFill>
               <a:schemeClr val="tx1"/>
             </a:solidFill>
           </a:ln>
+          <a:effectLst>
+            <a:outerShdw blurRad="50800" dist="38100" dir="2700000" algn="tl" rotWithShape="0">
+              <a:prstClr val="black">
+                <a:alpha val="40000"/>
+              </a:prstClr>
+            </a:outerShdw>
+          </a:effectLst>
         </p:spPr>
         <p:txBody>
-          <a:bodyPr>
+          <a:bodyPr wrap="square">
             <a:spAutoFit/>
           </a:bodyPr>
           <a:lstStyle/>
@@ -37991,14 +38207,14 @@
               <a:defRPr/>
             </a:pPr>
             <a:r>
-              <a:rPr lang="en-GB" dirty="0"/>
+              <a:rPr lang="en-GB" sz="1600" dirty="0"/>
               <a:t>This raises a </a:t>
             </a:r>
             <a:r>
-              <a:rPr lang="en-GB" dirty="0" err="1"/>
+              <a:rPr lang="en-GB" sz="1600" dirty="0" err="1"/>
               <a:t>DeprecationWarning</a:t>
             </a:r>
-            <a:endParaRPr lang="en-GB" dirty="0"/>
+            <a:endParaRPr lang="en-GB" sz="1600" dirty="0"/>
           </a:p>
         </p:txBody>
       </p:sp>
@@ -38010,19 +38226,79 @@
         </p:nvSpPr>
         <p:spPr>
           <a:xfrm>
-            <a:off x="6367463" y="6149020"/>
-            <a:ext cx="2968625" cy="369888"/>
+            <a:off x="6824221" y="6142319"/>
+            <a:ext cx="2429507" cy="338554"/>
           </a:xfrm>
           <a:prstGeom prst="rect">
             <a:avLst/>
           </a:prstGeom>
           <a:solidFill>
-            <a:schemeClr val="accent3"/>
+            <a:schemeClr val="bg1"/>
           </a:solidFill>
           <a:ln>
             <a:solidFill>
               <a:schemeClr val="tx1"/>
             </a:solidFill>
+          </a:ln>
+          <a:effectLst>
+            <a:outerShdw blurRad="50800" dist="38100" dir="2700000" algn="tl" rotWithShape="0">
+              <a:prstClr val="black">
+                <a:alpha val="40000"/>
+              </a:prstClr>
+            </a:outerShdw>
+          </a:effectLst>
+        </p:spPr>
+        <p:txBody>
+          <a:bodyPr wrap="square">
+            <a:spAutoFit/>
+          </a:bodyPr>
+          <a:lstStyle/>
+          <a:p>
+            <a:pPr>
+              <a:defRPr/>
+            </a:pPr>
+            <a:r>
+              <a:rPr lang="en-GB" sz="1600" dirty="0"/>
+              <a:t>Will not be executed</a:t>
+            </a:r>
+          </a:p>
+        </p:txBody>
+      </p:sp>
+      <p:sp>
+        <p:nvSpPr>
+          <p:cNvPr id="2" name="Line 8">
+            <a:extLst>
+              <a:ext uri="{FF2B5EF4-FFF2-40B4-BE49-F238E27FC236}">
+                <a16:creationId xmlns:a16="http://schemas.microsoft.com/office/drawing/2014/main" id="{47C98C27-3352-AE39-0480-EECA027F736A}"/>
+              </a:ext>
+            </a:extLst>
+          </p:cNvPr>
+          <p:cNvSpPr>
+            <a:spLocks noChangeShapeType="1"/>
+          </p:cNvSpPr>
+          <p:nvPr/>
+        </p:nvSpPr>
+        <p:spPr bwMode="auto">
+          <a:xfrm flipH="1">
+            <a:off x="5244536" y="5248989"/>
+            <a:ext cx="1579685" cy="0"/>
+          </a:xfrm>
+          <a:prstGeom prst="line">
+            <a:avLst/>
+          </a:prstGeom>
+          <a:solidFill>
+            <a:schemeClr val="tx2">
+              <a:lumMod val="20000"/>
+              <a:lumOff val="80000"/>
+            </a:schemeClr>
+          </a:solidFill>
+          <a:ln w="9525">
+            <a:solidFill>
+              <a:schemeClr val="tx1"/>
+            </a:solidFill>
+            <a:round/>
+            <a:headEnd/>
+            <a:tailEnd type="triangle" w="med" len="med"/>
           </a:ln>
         </p:spPr>
         <p:txBody>
@@ -38031,13 +38307,101 @@
           </a:bodyPr>
           <a:lstStyle/>
           <a:p>
-            <a:pPr>
-              <a:defRPr/>
-            </a:pPr>
-            <a:r>
-              <a:rPr lang="en-GB" dirty="0"/>
-              <a:t>Will not be executed</a:t>
-            </a:r>
+            <a:endParaRPr lang="en-GB" u="sng"/>
+          </a:p>
+        </p:txBody>
+      </p:sp>
+      <p:sp>
+        <p:nvSpPr>
+          <p:cNvPr id="4" name="Line 8">
+            <a:extLst>
+              <a:ext uri="{FF2B5EF4-FFF2-40B4-BE49-F238E27FC236}">
+                <a16:creationId xmlns:a16="http://schemas.microsoft.com/office/drawing/2014/main" id="{E8B98E3F-5B5A-5725-B014-1832F7EF9153}"/>
+              </a:ext>
+            </a:extLst>
+          </p:cNvPr>
+          <p:cNvSpPr>
+            <a:spLocks noChangeShapeType="1"/>
+          </p:cNvSpPr>
+          <p:nvPr/>
+        </p:nvSpPr>
+        <p:spPr bwMode="auto">
+          <a:xfrm flipH="1">
+            <a:off x="5244535" y="6323610"/>
+            <a:ext cx="1579685" cy="0"/>
+          </a:xfrm>
+          <a:prstGeom prst="line">
+            <a:avLst/>
+          </a:prstGeom>
+          <a:solidFill>
+            <a:schemeClr val="tx2">
+              <a:lumMod val="20000"/>
+              <a:lumOff val="80000"/>
+            </a:schemeClr>
+          </a:solidFill>
+          <a:ln w="9525">
+            <a:solidFill>
+              <a:schemeClr val="tx1"/>
+            </a:solidFill>
+            <a:round/>
+            <a:headEnd/>
+            <a:tailEnd type="triangle" w="med" len="med"/>
+          </a:ln>
+        </p:spPr>
+        <p:txBody>
+          <a:bodyPr>
+            <a:spAutoFit/>
+          </a:bodyPr>
+          <a:lstStyle/>
+          <a:p>
+            <a:endParaRPr lang="en-GB" u="sng"/>
+          </a:p>
+        </p:txBody>
+      </p:sp>
+      <p:sp>
+        <p:nvSpPr>
+          <p:cNvPr id="5" name="Line 8">
+            <a:extLst>
+              <a:ext uri="{FF2B5EF4-FFF2-40B4-BE49-F238E27FC236}">
+                <a16:creationId xmlns:a16="http://schemas.microsoft.com/office/drawing/2014/main" id="{B2A09959-A987-3B3E-05AF-CF4F07289918}"/>
+              </a:ext>
+            </a:extLst>
+          </p:cNvPr>
+          <p:cNvSpPr>
+            <a:spLocks noChangeShapeType="1"/>
+          </p:cNvSpPr>
+          <p:nvPr/>
+        </p:nvSpPr>
+        <p:spPr bwMode="auto">
+          <a:xfrm flipH="1">
+            <a:off x="5244534" y="3871750"/>
+            <a:ext cx="1579685" cy="0"/>
+          </a:xfrm>
+          <a:prstGeom prst="line">
+            <a:avLst/>
+          </a:prstGeom>
+          <a:solidFill>
+            <a:schemeClr val="tx2">
+              <a:lumMod val="20000"/>
+              <a:lumOff val="80000"/>
+            </a:schemeClr>
+          </a:solidFill>
+          <a:ln w="9525">
+            <a:solidFill>
+              <a:schemeClr val="tx1"/>
+            </a:solidFill>
+            <a:round/>
+            <a:headEnd/>
+            <a:tailEnd type="triangle" w="med" len="med"/>
+          </a:ln>
+        </p:spPr>
+        <p:txBody>
+          <a:bodyPr>
+            <a:spAutoFit/>
+          </a:bodyPr>
+          <a:lstStyle/>
+          <a:p>
+            <a:endParaRPr lang="en-GB" u="sng"/>
           </a:p>
         </p:txBody>
       </p:sp>
@@ -38111,109 +38475,107 @@
           </a:bodyPr>
           <a:lstStyle/>
           <a:p>
-            <a:pPr marL="342900" indent="-342900">
+            <a:r>
+              <a:rPr lang="en-US" b="1" dirty="0"/>
+              <a:t>Traditional error handling techniques include</a:t>
+            </a:r>
+          </a:p>
+          <a:p>
+            <a:pPr marL="447675" lvl="1" indent="-265113">
               <a:buFont typeface="Arial" panose="020B0604020202020204" pitchFamily="34" charset="0"/>
               <a:buChar char="•"/>
             </a:pPr>
             <a:r>
-              <a:rPr lang="en-US" b="1" dirty="0"/>
-              <a:t>Traditional error handling techniques include</a:t>
-            </a:r>
-          </a:p>
-          <a:p>
-            <a:pPr lvl="1">
+              <a:rPr lang="en-US" sz="1800" dirty="0"/>
+              <a:t>Returning a value from a function to indicate success or failure</a:t>
+            </a:r>
+          </a:p>
+          <a:p>
+            <a:pPr marL="447675" lvl="1" indent="-265113">
               <a:buFont typeface="Arial" panose="020B0604020202020204" pitchFamily="34" charset="0"/>
               <a:buChar char="•"/>
             </a:pPr>
             <a:r>
-              <a:rPr lang="en-US" dirty="0"/>
-              <a:t>Returning a value from a function to indicate success or failure</a:t>
-            </a:r>
-          </a:p>
-          <a:p>
-            <a:pPr lvl="1">
+              <a:rPr lang="en-US" sz="1800" dirty="0"/>
+              <a:t>Ignore the error</a:t>
+            </a:r>
+          </a:p>
+          <a:p>
+            <a:pPr marL="447675" lvl="1" indent="-265113">
               <a:buFont typeface="Arial" panose="020B0604020202020204" pitchFamily="34" charset="0"/>
               <a:buChar char="•"/>
             </a:pPr>
             <a:r>
-              <a:rPr lang="en-US" dirty="0"/>
-              <a:t>Ignore the error</a:t>
-            </a:r>
-          </a:p>
-          <a:p>
-            <a:pPr lvl="1">
+              <a:rPr lang="en-US" sz="1800" dirty="0"/>
+              <a:t>Log the error, but otherwise ignore it</a:t>
+            </a:r>
+          </a:p>
+          <a:p>
+            <a:pPr marL="447675" lvl="1" indent="-265113">
               <a:buFont typeface="Arial" panose="020B0604020202020204" pitchFamily="34" charset="0"/>
               <a:buChar char="•"/>
             </a:pPr>
             <a:r>
-              <a:rPr lang="en-US" dirty="0"/>
-              <a:t>Log the error, but otherwise ignore it</a:t>
-            </a:r>
-          </a:p>
-          <a:p>
-            <a:pPr lvl="1">
+              <a:rPr lang="en-US" sz="1800" dirty="0"/>
+              <a:t>Put an object into some kind of invalid state that can be tested</a:t>
+            </a:r>
+          </a:p>
+          <a:p>
+            <a:pPr marL="447675" lvl="1" indent="-265113">
               <a:buFont typeface="Arial" panose="020B0604020202020204" pitchFamily="34" charset="0"/>
               <a:buChar char="•"/>
             </a:pPr>
             <a:r>
-              <a:rPr lang="en-US" dirty="0"/>
-              <a:t>Put an object into some kind of invalid state that can be tested</a:t>
-            </a:r>
-          </a:p>
-          <a:p>
-            <a:pPr lvl="1">
+              <a:rPr lang="en-US" sz="1800" dirty="0"/>
+              <a:t>Aborting the program</a:t>
+            </a:r>
+          </a:p>
+          <a:p>
+            <a:r>
+              <a:rPr lang="en-US" b="1" dirty="0"/>
+              <a:t>In Python, an exception can be thrown</a:t>
+            </a:r>
+          </a:p>
+          <a:p>
+            <a:pPr marL="447675" lvl="1" indent="-265113">
               <a:buFont typeface="Arial" panose="020B0604020202020204" pitchFamily="34" charset="0"/>
               <a:buChar char="•"/>
             </a:pPr>
             <a:r>
               <a:rPr lang="en-US" dirty="0"/>
-              <a:t>Aborting the program</a:t>
-            </a:r>
-          </a:p>
-          <a:p>
-            <a:pPr marL="342900" indent="-342900">
+              <a:t>An exception is represented by an object</a:t>
+            </a:r>
+          </a:p>
+          <a:p>
+            <a:pPr marL="447675" lvl="2" indent="-265113">
               <a:buFont typeface="Arial" panose="020B0604020202020204" pitchFamily="34" charset="0"/>
               <a:buChar char="•"/>
             </a:pPr>
             <a:r>
-              <a:rPr lang="en-US" b="1" dirty="0"/>
-              <a:t>In Python, an exception can be thrown</a:t>
-            </a:r>
-          </a:p>
-          <a:p>
-            <a:pPr lvl="1">
+              <a:rPr lang="en-US" sz="1800" dirty="0"/>
+              <a:t>Usually of a class derived from the </a:t>
+            </a:r>
+            <a:r>
+              <a:rPr lang="en-US" sz="1800" b="1" dirty="0"/>
+              <a:t>exception</a:t>
+            </a:r>
+            <a:r>
+              <a:rPr lang="en-US" sz="1800" dirty="0"/>
+              <a:t> superclass</a:t>
+            </a:r>
+          </a:p>
+          <a:p>
+            <a:pPr marL="447675" lvl="2" indent="-265113">
               <a:buFont typeface="Arial" panose="020B0604020202020204" pitchFamily="34" charset="0"/>
               <a:buChar char="•"/>
             </a:pPr>
             <a:r>
-              <a:rPr lang="en-US" dirty="0"/>
-              <a:t>An exception is represented by an object</a:t>
-            </a:r>
-          </a:p>
-          <a:p>
-            <a:pPr lvl="2"/>
-            <a:r>
               <a:rPr lang="en-US" sz="1800" dirty="0"/>
-              <a:t> Usually of a class derived from the </a:t>
-            </a:r>
-            <a:r>
-              <a:rPr lang="en-US" sz="1800" b="1" dirty="0"/>
-              <a:t>exception</a:t>
-            </a:r>
-            <a:r>
-              <a:rPr lang="en-US" sz="1800" dirty="0"/>
-              <a:t> superclass</a:t>
-            </a:r>
-          </a:p>
-          <a:p>
-            <a:pPr lvl="2"/>
-            <a:r>
-              <a:rPr lang="en-US" sz="1800" dirty="0"/>
-              <a:t> Includes diagnostic attributes which may be printed</a:t>
-            </a:r>
-          </a:p>
-          <a:p>
-            <a:pPr lvl="1">
+              <a:t>Includes diagnostic attributes which may be printed</a:t>
+            </a:r>
+          </a:p>
+          <a:p>
+            <a:pPr marL="447675" lvl="1" indent="-265113">
               <a:buFont typeface="Arial" panose="020B0604020202020204" pitchFamily="34" charset="0"/>
               <a:buChar char="•"/>
             </a:pPr>
@@ -38223,7 +38585,7 @@
             </a:r>
           </a:p>
           <a:p>
-            <a:pPr lvl="1">
+            <a:pPr marL="447675" lvl="1" indent="-265113">
               <a:buFont typeface="Arial" panose="020B0604020202020204" pitchFamily="34" charset="0"/>
               <a:buChar char="•"/>
             </a:pPr>
@@ -38380,59 +38742,48 @@
           <a:bodyPr/>
           <a:lstStyle/>
           <a:p>
-            <a:pPr marL="342900" indent="-342900">
+            <a:r>
+              <a:rPr lang="en-GB" b="1" dirty="0"/>
+              <a:t>Unhandled exceptions terminate the program</a:t>
+            </a:r>
+          </a:p>
+          <a:p>
+            <a:r>
+              <a:rPr lang="en-GB" b="1" dirty="0"/>
+              <a:t>Trapping an exception:</a:t>
+            </a:r>
+          </a:p>
+          <a:p>
+            <a:endParaRPr lang="en-GB" dirty="0"/>
+          </a:p>
+          <a:p>
+            <a:endParaRPr lang="en-GB" dirty="0"/>
+          </a:p>
+          <a:p>
+            <a:endParaRPr lang="en-GB" dirty="0"/>
+          </a:p>
+          <a:p>
+            <a:endParaRPr lang="en-GB" dirty="0"/>
+          </a:p>
+          <a:p>
+            <a:endParaRPr lang="en-GB" dirty="0"/>
+          </a:p>
+          <a:p>
+            <a:endParaRPr lang="en-GB" dirty="0"/>
+          </a:p>
+          <a:p>
+            <a:endParaRPr lang="en-GB" dirty="0"/>
+          </a:p>
+          <a:p>
+            <a:endParaRPr lang="en-GB" dirty="0"/>
+          </a:p>
+          <a:p>
+            <a:pPr marL="447675" indent="-265113">
               <a:buFont typeface="Arial" panose="020B0604020202020204" pitchFamily="34" charset="0"/>
               <a:buChar char="•"/>
             </a:pPr>
             <a:r>
-              <a:rPr lang="en-GB" dirty="0"/>
-              <a:t>Unhandled exceptions terminate the program</a:t>
-            </a:r>
-          </a:p>
-          <a:p>
-            <a:pPr marL="342900" indent="-342900">
-              <a:buFont typeface="Arial" panose="020B0604020202020204" pitchFamily="34" charset="0"/>
-              <a:buChar char="•"/>
-            </a:pPr>
-            <a:r>
-              <a:rPr lang="en-GB" dirty="0"/>
-              <a:t>Trapping an exception:</a:t>
-            </a:r>
-          </a:p>
-          <a:p>
-            <a:endParaRPr lang="en-GB" dirty="0"/>
-          </a:p>
-          <a:p>
-            <a:endParaRPr lang="en-GB" dirty="0"/>
-          </a:p>
-          <a:p>
-            <a:endParaRPr lang="en-GB" dirty="0"/>
-          </a:p>
-          <a:p>
-            <a:endParaRPr lang="en-GB" dirty="0"/>
-          </a:p>
-          <a:p>
-            <a:endParaRPr lang="en-GB" dirty="0"/>
-          </a:p>
-          <a:p>
-            <a:endParaRPr lang="en-GB" dirty="0"/>
-          </a:p>
-          <a:p>
-            <a:endParaRPr lang="en-GB" dirty="0"/>
-          </a:p>
-          <a:p>
-            <a:endParaRPr lang="en-GB" dirty="0"/>
-          </a:p>
-          <a:p>
-            <a:endParaRPr lang="en-GB" dirty="0"/>
-          </a:p>
-          <a:p>
-            <a:pPr marL="342900" indent="-342900">
-              <a:buFont typeface="Arial" panose="020B0604020202020204" pitchFamily="34" charset="0"/>
-              <a:buChar char="•"/>
-            </a:pPr>
-            <a:r>
-              <a:rPr lang="en-GB" dirty="0"/>
+              <a:rPr lang="en-GB" sz="1800" dirty="0"/>
               <a:t>Although we use terms like "try block", there is no real or implied scope within each code section</a:t>
             </a:r>
           </a:p>
@@ -38451,7 +38802,7 @@
         </p:nvSpPr>
         <p:spPr bwMode="auto">
           <a:xfrm>
-            <a:off x="1052513" y="2359051"/>
+            <a:off x="738311" y="2085181"/>
             <a:ext cx="5043487" cy="2687637"/>
           </a:xfrm>
           <a:prstGeom prst="rect">
@@ -38471,6 +38822,13 @@
             <a:headEnd/>
             <a:tailEnd/>
           </a:ln>
+          <a:effectLst>
+            <a:outerShdw blurRad="50800" dist="38100" dir="2700000" algn="tl" rotWithShape="0">
+              <a:prstClr val="black">
+                <a:alpha val="40000"/>
+              </a:prstClr>
+            </a:outerShdw>
+          </a:effectLst>
         </p:spPr>
         <p:txBody>
           <a:bodyPr>
@@ -38796,6 +39154,7 @@
             <a:headEnd/>
             <a:tailEnd/>
           </a:ln>
+          <a:effectLst/>
           <a:extLst>
             <a:ext uri="{909E8E84-426E-40dd-AFC4-6F175D3DCCD1}">
               <a14:hiddenFill xmlns="" xmlns:a14="http://schemas.microsoft.com/office/drawing/2010/main">
@@ -38910,7 +39269,7 @@
           </a:lstStyle>
           <a:p>
             <a:r>
-              <a:rPr lang="en-GB" sz="1600"/>
+              <a:rPr lang="en-GB" sz="1600" dirty="0"/>
               <a:t>Optional, not executed if an exception occurs</a:t>
             </a:r>
           </a:p>
@@ -38984,6 +39343,7 @@
             <a:headEnd/>
             <a:tailEnd/>
           </a:ln>
+          <a:effectLst/>
           <a:extLst>
             <a:ext uri="{909E8E84-426E-40dd-AFC4-6F175D3DCCD1}">
               <a14:hiddenFill xmlns="" xmlns:a14="http://schemas.microsoft.com/office/drawing/2010/main">
@@ -39098,7 +39458,7 @@
           </a:lstStyle>
           <a:p>
             <a:r>
-              <a:rPr lang="en-GB" sz="1600"/>
+              <a:rPr lang="en-GB" sz="1600" dirty="0"/>
               <a:t>Optional, always* executed</a:t>
             </a:r>
           </a:p>
@@ -39215,32 +39575,28 @@
           <a:bodyPr/>
           <a:lstStyle/>
           <a:p>
-            <a:pPr marL="342900" indent="-342900">
+            <a:r>
+              <a:rPr lang="en-GB" b="1" dirty="0"/>
+              <a:t>It is common to wish to trap more than one exception</a:t>
+            </a:r>
+          </a:p>
+          <a:p>
+            <a:pPr marL="447675" lvl="1" indent="-265113">
               <a:buFont typeface="Arial" panose="020B0604020202020204" pitchFamily="34" charset="0"/>
               <a:buChar char="•"/>
             </a:pPr>
             <a:r>
-              <a:rPr lang="en-GB" b="1" dirty="0"/>
-              <a:t>It is common to wish to trap more than one exception</a:t>
-            </a:r>
-          </a:p>
-          <a:p>
-            <a:pPr lvl="1">
+              <a:rPr lang="en-GB" sz="1800" dirty="0"/>
+              <a:t>Each with its own handler</a:t>
+            </a:r>
+          </a:p>
+          <a:p>
+            <a:pPr marL="447675" lvl="1" indent="-265113">
               <a:buFont typeface="Arial" panose="020B0604020202020204" pitchFamily="34" charset="0"/>
               <a:buChar char="•"/>
             </a:pPr>
             <a:r>
-              <a:rPr lang="en-GB" dirty="0"/>
-              <a:t>Each with its own handler</a:t>
-            </a:r>
-          </a:p>
-          <a:p>
-            <a:pPr lvl="1">
-              <a:buFont typeface="Arial" panose="020B0604020202020204" pitchFamily="34" charset="0"/>
-              <a:buChar char="•"/>
-            </a:pPr>
-            <a:r>
-              <a:rPr lang="en-GB" dirty="0"/>
+              <a:rPr lang="en-GB" sz="1800" dirty="0"/>
               <a:t>Or multiple exceptions with the same handler</a:t>
             </a:r>
           </a:p>
@@ -39256,7 +39612,7 @@
         </p:nvSpPr>
         <p:spPr bwMode="auto">
           <a:xfrm>
-            <a:off x="1062942" y="2820977"/>
+            <a:off x="781627" y="2504757"/>
             <a:ext cx="5147563" cy="3416320"/>
           </a:xfrm>
           <a:prstGeom prst="rect">
@@ -39276,7 +39632,13 @@
             <a:headEnd/>
             <a:tailEnd/>
           </a:ln>
-          <a:effectLst/>
+          <a:effectLst>
+            <a:outerShdw blurRad="50800" dist="38100" dir="2700000" algn="tl" rotWithShape="0">
+              <a:prstClr val="black">
+                <a:alpha val="40000"/>
+              </a:prstClr>
+            </a:outerShdw>
+          </a:effectLst>
         </p:spPr>
         <p:txBody>
           <a:bodyPr wrap="none">
@@ -39611,7 +39973,13 @@
       </p:sp>
       <p:sp>
         <p:nvSpPr>
-          <p:cNvPr id="10245" name="Text Box 5"/>
+          <p:cNvPr id="2" name="Text Box 5">
+            <a:extLst>
+              <a:ext uri="{FF2B5EF4-FFF2-40B4-BE49-F238E27FC236}">
+                <a16:creationId xmlns:a16="http://schemas.microsoft.com/office/drawing/2014/main" id="{18FFCC54-6D61-92B1-9AB2-79102085A49B}"/>
+              </a:ext>
+            </a:extLst>
+          </p:cNvPr>
           <p:cNvSpPr txBox="1">
             <a:spLocks noChangeArrowheads="1"/>
           </p:cNvSpPr>
@@ -39619,15 +39987,20 @@
         </p:nvSpPr>
         <p:spPr bwMode="auto">
           <a:xfrm>
-            <a:off x="6369545" y="4104470"/>
-            <a:ext cx="2840038" cy="825500"/>
+            <a:off x="6696568" y="3797418"/>
+            <a:ext cx="2965592" cy="830997"/>
           </a:xfrm>
           <a:prstGeom prst="rect">
             <a:avLst/>
           </a:prstGeom>
           <a:noFill/>
-          <a:ln>
-            <a:noFill/>
+          <a:ln w="9525">
+            <a:solidFill>
+              <a:schemeClr val="tx1"/>
+            </a:solidFill>
+            <a:miter lim="800000"/>
+            <a:headEnd/>
+            <a:tailEnd/>
           </a:ln>
           <a:extLst>
             <a:ext uri="{909E8E84-426E-40dd-AFC4-6F175D3DCCD1}">
@@ -39636,184 +40009,6 @@
                   <a:srgbClr val="FFFFFF"/>
                 </a:solidFill>
               </a14:hiddenFill>
-            </a:ext>
-            <a:ext uri="{91240B29-F687-4f45-9708-019B960494DF}">
-              <a14:hiddenLine xmlns="" xmlns:a14="http://schemas.microsoft.com/office/drawing/2010/main" w="9525">
-                <a:solidFill>
-                  <a:srgbClr val="000000"/>
-                </a:solidFill>
-                <a:miter lim="800000"/>
-                <a:headEnd/>
-                <a:tailEnd/>
-              </a14:hiddenLine>
-            </a:ext>
-          </a:extLst>
-        </p:spPr>
-        <p:txBody>
-          <a:bodyPr>
-            <a:spAutoFit/>
-          </a:bodyPr>
-          <a:lstStyle>
-            <a:lvl1pPr>
-              <a:defRPr sz="1000">
-                <a:solidFill>
-                  <a:schemeClr val="tx1"/>
-                </a:solidFill>
-                <a:latin typeface="Arial" charset="0"/>
-              </a:defRPr>
-            </a:lvl1pPr>
-            <a:lvl2pPr marL="742950" indent="-285750">
-              <a:defRPr sz="1000">
-                <a:solidFill>
-                  <a:schemeClr val="tx1"/>
-                </a:solidFill>
-                <a:latin typeface="Arial" charset="0"/>
-              </a:defRPr>
-            </a:lvl2pPr>
-            <a:lvl3pPr marL="1143000" indent="-228600">
-              <a:defRPr sz="1000">
-                <a:solidFill>
-                  <a:schemeClr val="tx1"/>
-                </a:solidFill>
-                <a:latin typeface="Arial" charset="0"/>
-              </a:defRPr>
-            </a:lvl3pPr>
-            <a:lvl4pPr marL="1600200" indent="-228600">
-              <a:defRPr sz="1000">
-                <a:solidFill>
-                  <a:schemeClr val="tx1"/>
-                </a:solidFill>
-                <a:latin typeface="Arial" charset="0"/>
-              </a:defRPr>
-            </a:lvl4pPr>
-            <a:lvl5pPr marL="2057400" indent="-228600">
-              <a:defRPr sz="1000">
-                <a:solidFill>
-                  <a:schemeClr val="tx1"/>
-                </a:solidFill>
-                <a:latin typeface="Arial" charset="0"/>
-              </a:defRPr>
-            </a:lvl5pPr>
-            <a:lvl6pPr marL="2514600" indent="-228600" eaLnBrk="0" fontAlgn="base" hangingPunct="0">
-              <a:spcBef>
-                <a:spcPct val="50000"/>
-              </a:spcBef>
-              <a:spcAft>
-                <a:spcPct val="0"/>
-              </a:spcAft>
-              <a:defRPr sz="1000">
-                <a:solidFill>
-                  <a:schemeClr val="tx1"/>
-                </a:solidFill>
-                <a:latin typeface="Arial" charset="0"/>
-              </a:defRPr>
-            </a:lvl6pPr>
-            <a:lvl7pPr marL="2971800" indent="-228600" eaLnBrk="0" fontAlgn="base" hangingPunct="0">
-              <a:spcBef>
-                <a:spcPct val="50000"/>
-              </a:spcBef>
-              <a:spcAft>
-                <a:spcPct val="0"/>
-              </a:spcAft>
-              <a:defRPr sz="1000">
-                <a:solidFill>
-                  <a:schemeClr val="tx1"/>
-                </a:solidFill>
-                <a:latin typeface="Arial" charset="0"/>
-              </a:defRPr>
-            </a:lvl7pPr>
-            <a:lvl8pPr marL="3429000" indent="-228600" eaLnBrk="0" fontAlgn="base" hangingPunct="0">
-              <a:spcBef>
-                <a:spcPct val="50000"/>
-              </a:spcBef>
-              <a:spcAft>
-                <a:spcPct val="0"/>
-              </a:spcAft>
-              <a:defRPr sz="1000">
-                <a:solidFill>
-                  <a:schemeClr val="tx1"/>
-                </a:solidFill>
-                <a:latin typeface="Arial" charset="0"/>
-              </a:defRPr>
-            </a:lvl8pPr>
-            <a:lvl9pPr marL="3886200" indent="-228600" eaLnBrk="0" fontAlgn="base" hangingPunct="0">
-              <a:spcBef>
-                <a:spcPct val="50000"/>
-              </a:spcBef>
-              <a:spcAft>
-                <a:spcPct val="0"/>
-              </a:spcAft>
-              <a:defRPr sz="1000">
-                <a:solidFill>
-                  <a:schemeClr val="tx1"/>
-                </a:solidFill>
-                <a:latin typeface="Arial" charset="0"/>
-              </a:defRPr>
-            </a:lvl9pPr>
-          </a:lstStyle>
-          <a:p>
-            <a:r>
-              <a:rPr lang="en-GB" sz="1600" dirty="0"/>
-              <a:t>For example, </a:t>
-            </a:r>
-            <a:r>
-              <a:rPr lang="en-GB" sz="1600" dirty="0" err="1"/>
-              <a:t>TypeError</a:t>
-            </a:r>
-            <a:r>
-              <a:rPr lang="en-GB" sz="1600" dirty="0"/>
-              <a:t> would be raised if </a:t>
-            </a:r>
-            <a:r>
-              <a:rPr lang="en-GB" sz="1600" dirty="0">
-                <a:latin typeface="Courier New" panose="02070309020205020404" pitchFamily="49" charset="0"/>
-              </a:rPr>
-              <a:t>filename</a:t>
-            </a:r>
-            <a:r>
-              <a:rPr lang="en-GB" sz="1600" dirty="0"/>
-              <a:t> was not a string.</a:t>
-            </a:r>
-          </a:p>
-        </p:txBody>
-      </p:sp>
-      <p:sp>
-        <p:nvSpPr>
-          <p:cNvPr id="10246" name="Text Box 6"/>
-          <p:cNvSpPr txBox="1">
-            <a:spLocks noChangeArrowheads="1"/>
-          </p:cNvSpPr>
-          <p:nvPr/>
-        </p:nvSpPr>
-        <p:spPr bwMode="auto">
-          <a:xfrm>
-            <a:off x="6369545" y="5628690"/>
-            <a:ext cx="2840038" cy="584775"/>
-          </a:xfrm>
-          <a:prstGeom prst="rect">
-            <a:avLst/>
-          </a:prstGeom>
-          <a:noFill/>
-          <a:ln>
-            <a:noFill/>
-          </a:ln>
-          <a:extLst>
-            <a:ext uri="{909E8E84-426E-40dd-AFC4-6F175D3DCCD1}">
-              <a14:hiddenFill xmlns="" xmlns:a14="http://schemas.microsoft.com/office/drawing/2010/main">
-                <a:solidFill>
-                  <a:srgbClr val="FFFFFF"/>
-                </a:solidFill>
-              </a14:hiddenFill>
-            </a:ext>
-            <a:ext uri="{91240B29-F687-4f45-9708-019B960494DF}">
-              <a14:hiddenLine xmlns="" xmlns:a14="http://schemas.microsoft.com/office/drawing/2010/main" w="9525">
-                <a:solidFill>
-                  <a:srgbClr val="000000"/>
-                </a:solidFill>
-                <a:miter lim="800000"/>
-                <a:headEnd/>
-                <a:tailEnd/>
-              </a14:hiddenLine>
             </a:ext>
           </a:extLst>
         </p:spPr>
@@ -39922,156 +40117,87 @@
           <a:p>
             <a:r>
               <a:rPr lang="en-GB" sz="1600" dirty="0"/>
-              <a:t>Remember, </a:t>
+              <a:t>For example, </a:t>
+            </a:r>
+            <a:r>
+              <a:rPr lang="en-GB" sz="1600" dirty="0" err="1"/>
+              <a:t>TypeError</a:t>
+            </a:r>
+            <a:r>
+              <a:rPr lang="en-GB" sz="1600" dirty="0"/>
+              <a:t> would be raised if </a:t>
             </a:r>
             <a:r>
               <a:rPr lang="en-GB" sz="1600" dirty="0">
                 <a:latin typeface="Courier New" panose="02070309020205020404" pitchFamily="49" charset="0"/>
               </a:rPr>
-              <a:t>exit()</a:t>
+              <a:t>filename</a:t>
             </a:r>
             <a:r>
               <a:rPr lang="en-GB" sz="1600" dirty="0"/>
-              <a:t> raises a </a:t>
-            </a:r>
-            <a:r>
-              <a:rPr lang="en-GB" sz="1600" dirty="0" err="1"/>
-              <a:t>SystemExit</a:t>
-            </a:r>
-            <a:r>
-              <a:rPr lang="en-GB" sz="1600" dirty="0"/>
-              <a:t> exception!</a:t>
-            </a:r>
-          </a:p>
-        </p:txBody>
-      </p:sp>
-    </p:spTree>
-    <p:extLst>
-      <p:ext uri="{BB962C8B-B14F-4D97-AF65-F5344CB8AC3E}">
-        <p14:creationId xmlns:p14="http://schemas.microsoft.com/office/powerpoint/2010/main" val="3271486335"/>
-      </p:ext>
-    </p:extLst>
-  </p:cSld>
-  <p:clrMapOvr>
-    <a:masterClrMapping/>
-  </p:clrMapOvr>
-</p:sld>
-</file>
-
-<file path=ppt/slides/slide9.xml><?xml version="1.0" encoding="utf-8"?>
-<p:sld xmlns:a="http://schemas.openxmlformats.org/drawingml/2006/main" xmlns:r="http://schemas.openxmlformats.org/officeDocument/2006/relationships" xmlns:p="http://schemas.openxmlformats.org/presentationml/2006/main">
-  <p:cSld>
-    <p:spTree>
-      <p:nvGrpSpPr>
-        <p:cNvPr id="1" name=""/>
-        <p:cNvGrpSpPr/>
-        <p:nvPr/>
-      </p:nvGrpSpPr>
-      <p:grpSpPr>
-        <a:xfrm>
-          <a:off x="0" y="0"/>
-          <a:ext cx="0" cy="0"/>
-          <a:chOff x="0" y="0"/>
-          <a:chExt cx="0" cy="0"/>
-        </a:xfrm>
-      </p:grpSpPr>
-      <p:sp>
-        <p:nvSpPr>
-          <p:cNvPr id="11267" name="Rectangle 3"/>
-          <p:cNvSpPr>
-            <a:spLocks noGrp="1" noChangeArrowheads="1"/>
-          </p:cNvSpPr>
-          <p:nvPr>
-            <p:ph type="body" sz="quarter" idx="4294967295"/>
-          </p:nvPr>
-        </p:nvSpPr>
-        <p:spPr>
-          <a:xfrm>
-            <a:off x="339971" y="1367059"/>
-            <a:ext cx="11715750" cy="5214937"/>
-          </a:xfrm>
-        </p:spPr>
-        <p:txBody>
-          <a:bodyPr/>
-          <a:lstStyle/>
-          <a:p>
-            <a:pPr marL="342900" indent="-342900">
-              <a:buFont typeface="Arial" panose="020B0604020202020204" pitchFamily="34" charset="0"/>
-              <a:buChar char="•"/>
-            </a:pPr>
-            <a:r>
-              <a:rPr lang="en-GB" b="1" dirty="0"/>
-              <a:t>Each exception has an arguments attribute</a:t>
-            </a:r>
-          </a:p>
-          <a:p>
-            <a:pPr lvl="1">
-              <a:buFont typeface="Arial" panose="020B0604020202020204" pitchFamily="34" charset="0"/>
-              <a:buChar char="•"/>
-            </a:pPr>
-            <a:r>
-              <a:rPr lang="en-GB" dirty="0"/>
-              <a:t>Stored in a tuple</a:t>
-            </a:r>
-          </a:p>
-          <a:p>
-            <a:pPr lvl="1">
-              <a:buFont typeface="Arial" panose="020B0604020202020204" pitchFamily="34" charset="0"/>
-              <a:buChar char="•"/>
-            </a:pPr>
-            <a:r>
-              <a:rPr lang="en-GB" dirty="0"/>
-              <a:t>The number of elements, and their meaning varies</a:t>
-            </a:r>
-          </a:p>
-          <a:p>
-            <a:pPr lvl="1">
-              <a:buFont typeface="Arial" panose="020B0604020202020204" pitchFamily="34" charset="0"/>
-              <a:buChar char="•"/>
-            </a:pPr>
-            <a:r>
-              <a:rPr lang="en-GB" dirty="0"/>
-              <a:t>Other attributes may be available</a:t>
-            </a:r>
-          </a:p>
-          <a:p>
-            <a:pPr marL="342900" indent="-342900">
-              <a:buFont typeface="Arial" panose="020B0604020202020204" pitchFamily="34" charset="0"/>
-              <a:buChar char="•"/>
-            </a:pPr>
-            <a:r>
-              <a:rPr lang="en-GB" b="1" dirty="0"/>
-              <a:t>Access the exception using the 'as' clause</a:t>
+              <a:t> was not a string.</a:t>
             </a:r>
           </a:p>
         </p:txBody>
       </p:sp>
       <p:sp>
         <p:nvSpPr>
-          <p:cNvPr id="11266" name="Rectangle 2"/>
+          <p:cNvPr id="3" name="Line 7">
+            <a:extLst>
+              <a:ext uri="{FF2B5EF4-FFF2-40B4-BE49-F238E27FC236}">
+                <a16:creationId xmlns:a16="http://schemas.microsoft.com/office/drawing/2014/main" id="{B455A261-CE38-0371-4781-3ED1079C2635}"/>
+              </a:ext>
+            </a:extLst>
+          </p:cNvPr>
           <p:cNvSpPr>
-            <a:spLocks noGrp="1" noChangeArrowheads="1"/>
+            <a:spLocks noChangeShapeType="1"/>
           </p:cNvSpPr>
-          <p:nvPr>
-            <p:ph type="title"/>
-          </p:nvPr>
+          <p:nvPr/>
         </p:nvSpPr>
-        <p:spPr/>
+        <p:spPr bwMode="auto">
+          <a:xfrm flipH="1">
+            <a:off x="5164015" y="4212917"/>
+            <a:ext cx="1530350" cy="0"/>
+          </a:xfrm>
+          <a:prstGeom prst="line">
+            <a:avLst/>
+          </a:prstGeom>
+          <a:noFill/>
+          <a:ln w="9525">
+            <a:solidFill>
+              <a:schemeClr val="tx1"/>
+            </a:solidFill>
+            <a:round/>
+            <a:headEnd/>
+            <a:tailEnd type="triangle" w="med" len="med"/>
+          </a:ln>
+          <a:extLst>
+            <a:ext uri="{909E8E84-426E-40dd-AFC4-6F175D3DCCD1}">
+              <a14:hiddenFill xmlns="" xmlns:a14="http://schemas.microsoft.com/office/drawing/2010/main">
+                <a:noFill/>
+              </a14:hiddenFill>
+            </a:ext>
+          </a:extLst>
+        </p:spPr>
         <p:txBody>
-          <a:bodyPr/>
+          <a:bodyPr>
+            <a:spAutoFit/>
+          </a:bodyPr>
           <a:lstStyle/>
           <a:p>
-            <a:pPr eaLnBrk="1" hangingPunct="1"/>
-            <a:r>
-              <a:rPr lang="en-GB" dirty="0"/>
-              <a:t>Exception arguments</a:t>
-            </a:r>
+            <a:endParaRPr lang="en-GB"/>
           </a:p>
         </p:txBody>
       </p:sp>
       <p:sp>
         <p:nvSpPr>
-          <p:cNvPr id="11268" name="Text Box 4"/>
+          <p:cNvPr id="6" name="Text Box 5">
+            <a:extLst>
+              <a:ext uri="{FF2B5EF4-FFF2-40B4-BE49-F238E27FC236}">
+                <a16:creationId xmlns:a16="http://schemas.microsoft.com/office/drawing/2014/main" id="{9F3CA08C-23F2-EF98-DBD1-20F9E42FEB52}"/>
+              </a:ext>
+            </a:extLst>
+          </p:cNvPr>
           <p:cNvSpPr txBox="1">
             <a:spLocks noChangeArrowheads="1"/>
           </p:cNvSpPr>
@@ -40079,18 +40205,13 @@
         </p:nvSpPr>
         <p:spPr bwMode="auto">
           <a:xfrm>
-            <a:off x="339971" y="3372037"/>
-            <a:ext cx="6678612" cy="2708434"/>
+            <a:off x="6696568" y="5300091"/>
+            <a:ext cx="2965592" cy="584775"/>
           </a:xfrm>
           <a:prstGeom prst="rect">
             <a:avLst/>
           </a:prstGeom>
-          <a:solidFill>
-            <a:schemeClr val="tx2">
-              <a:lumMod val="20000"/>
-              <a:lumOff val="80000"/>
-            </a:schemeClr>
-          </a:solidFill>
+          <a:noFill/>
           <a:ln w="9525">
             <a:solidFill>
               <a:schemeClr val="tx1"/>
@@ -40099,7 +40220,15 @@
             <a:headEnd/>
             <a:tailEnd/>
           </a:ln>
-          <a:effectLst/>
+          <a:extLst>
+            <a:ext uri="{909E8E84-426E-40dd-AFC4-6F175D3DCCD1}">
+              <a14:hiddenFill xmlns="" xmlns:a14="http://schemas.microsoft.com/office/drawing/2010/main">
+                <a:solidFill>
+                  <a:srgbClr val="FFFFFF"/>
+                </a:solidFill>
+              </a14:hiddenFill>
+            </a:ext>
+          </a:extLst>
         </p:spPr>
         <p:txBody>
           <a:bodyPr wrap="square">
@@ -40204,6 +40333,337 @@
             </a:lvl9pPr>
           </a:lstStyle>
           <a:p>
+            <a:r>
+              <a:rPr lang="en-GB" sz="1600" dirty="0"/>
+              <a:t>Remember, </a:t>
+            </a:r>
+            <a:r>
+              <a:rPr lang="en-GB" sz="1600" dirty="0">
+                <a:latin typeface="Courier New" panose="02070309020205020404" pitchFamily="49" charset="0"/>
+              </a:rPr>
+              <a:t>exit()</a:t>
+            </a:r>
+            <a:r>
+              <a:rPr lang="en-GB" sz="1600" dirty="0"/>
+              <a:t> raises a </a:t>
+            </a:r>
+            <a:r>
+              <a:rPr lang="en-GB" sz="1600" dirty="0" err="1"/>
+              <a:t>SystemExit</a:t>
+            </a:r>
+            <a:r>
+              <a:rPr lang="en-GB" sz="1600" dirty="0"/>
+              <a:t> exception!</a:t>
+            </a:r>
+          </a:p>
+        </p:txBody>
+      </p:sp>
+      <p:sp>
+        <p:nvSpPr>
+          <p:cNvPr id="7" name="Line 7">
+            <a:extLst>
+              <a:ext uri="{FF2B5EF4-FFF2-40B4-BE49-F238E27FC236}">
+                <a16:creationId xmlns:a16="http://schemas.microsoft.com/office/drawing/2014/main" id="{20AA32B8-2FE4-8003-A5E9-F62C3EB6C7B9}"/>
+              </a:ext>
+            </a:extLst>
+          </p:cNvPr>
+          <p:cNvSpPr>
+            <a:spLocks noChangeShapeType="1"/>
+          </p:cNvSpPr>
+          <p:nvPr/>
+        </p:nvSpPr>
+        <p:spPr bwMode="auto">
+          <a:xfrm flipH="1">
+            <a:off x="5166218" y="5578835"/>
+            <a:ext cx="1530350" cy="0"/>
+          </a:xfrm>
+          <a:prstGeom prst="line">
+            <a:avLst/>
+          </a:prstGeom>
+          <a:noFill/>
+          <a:ln w="9525">
+            <a:solidFill>
+              <a:schemeClr val="tx1"/>
+            </a:solidFill>
+            <a:round/>
+            <a:headEnd/>
+            <a:tailEnd type="triangle" w="med" len="med"/>
+          </a:ln>
+          <a:extLst>
+            <a:ext uri="{909E8E84-426E-40dd-AFC4-6F175D3DCCD1}">
+              <a14:hiddenFill xmlns="" xmlns:a14="http://schemas.microsoft.com/office/drawing/2010/main">
+                <a:noFill/>
+              </a14:hiddenFill>
+            </a:ext>
+          </a:extLst>
+        </p:spPr>
+        <p:txBody>
+          <a:bodyPr>
+            <a:spAutoFit/>
+          </a:bodyPr>
+          <a:lstStyle/>
+          <a:p>
+            <a:endParaRPr lang="en-GB"/>
+          </a:p>
+        </p:txBody>
+      </p:sp>
+    </p:spTree>
+    <p:extLst>
+      <p:ext uri="{BB962C8B-B14F-4D97-AF65-F5344CB8AC3E}">
+        <p14:creationId xmlns:p14="http://schemas.microsoft.com/office/powerpoint/2010/main" val="3271486335"/>
+      </p:ext>
+    </p:extLst>
+  </p:cSld>
+  <p:clrMapOvr>
+    <a:masterClrMapping/>
+  </p:clrMapOvr>
+</p:sld>
+</file>
+
+<file path=ppt/slides/slide9.xml><?xml version="1.0" encoding="utf-8"?>
+<p:sld xmlns:a="http://schemas.openxmlformats.org/drawingml/2006/main" xmlns:r="http://schemas.openxmlformats.org/officeDocument/2006/relationships" xmlns:p="http://schemas.openxmlformats.org/presentationml/2006/main">
+  <p:cSld>
+    <p:spTree>
+      <p:nvGrpSpPr>
+        <p:cNvPr id="1" name=""/>
+        <p:cNvGrpSpPr/>
+        <p:nvPr/>
+      </p:nvGrpSpPr>
+      <p:grpSpPr>
+        <a:xfrm>
+          <a:off x="0" y="0"/>
+          <a:ext cx="0" cy="0"/>
+          <a:chOff x="0" y="0"/>
+          <a:chExt cx="0" cy="0"/>
+        </a:xfrm>
+      </p:grpSpPr>
+      <p:sp>
+        <p:nvSpPr>
+          <p:cNvPr id="11267" name="Rectangle 3"/>
+          <p:cNvSpPr>
+            <a:spLocks noGrp="1" noChangeArrowheads="1"/>
+          </p:cNvSpPr>
+          <p:nvPr>
+            <p:ph type="body" sz="quarter" idx="4294967295"/>
+          </p:nvPr>
+        </p:nvSpPr>
+        <p:spPr>
+          <a:xfrm>
+            <a:off x="339971" y="1367059"/>
+            <a:ext cx="11715750" cy="3570701"/>
+          </a:xfrm>
+        </p:spPr>
+        <p:txBody>
+          <a:bodyPr/>
+          <a:lstStyle/>
+          <a:p>
+            <a:r>
+              <a:rPr lang="en-GB" b="1" dirty="0"/>
+              <a:t>Each exception has an arguments attribute</a:t>
+            </a:r>
+          </a:p>
+          <a:p>
+            <a:pPr lvl="1">
+              <a:buFont typeface="Arial" panose="020B0604020202020204" pitchFamily="34" charset="0"/>
+              <a:buChar char="•"/>
+            </a:pPr>
+            <a:r>
+              <a:rPr lang="en-GB" sz="1800" dirty="0"/>
+              <a:t>Stored in a tuple</a:t>
+            </a:r>
+          </a:p>
+          <a:p>
+            <a:pPr lvl="1">
+              <a:buFont typeface="Arial" panose="020B0604020202020204" pitchFamily="34" charset="0"/>
+              <a:buChar char="•"/>
+            </a:pPr>
+            <a:r>
+              <a:rPr lang="en-GB" sz="1800" dirty="0"/>
+              <a:t>The number of elements, and their meaning varies</a:t>
+            </a:r>
+          </a:p>
+          <a:p>
+            <a:pPr lvl="1">
+              <a:buFont typeface="Arial" panose="020B0604020202020204" pitchFamily="34" charset="0"/>
+              <a:buChar char="•"/>
+            </a:pPr>
+            <a:r>
+              <a:rPr lang="en-GB" sz="1800" dirty="0"/>
+              <a:t>Other attributes may be available</a:t>
+            </a:r>
+          </a:p>
+          <a:p>
+            <a:r>
+              <a:rPr lang="en-GB" b="1" dirty="0"/>
+              <a:t>Access the exception using the 'as' clause</a:t>
+            </a:r>
+          </a:p>
+        </p:txBody>
+      </p:sp>
+      <p:sp>
+        <p:nvSpPr>
+          <p:cNvPr id="11266" name="Rectangle 2"/>
+          <p:cNvSpPr>
+            <a:spLocks noGrp="1" noChangeArrowheads="1"/>
+          </p:cNvSpPr>
+          <p:nvPr>
+            <p:ph type="title"/>
+          </p:nvPr>
+        </p:nvSpPr>
+        <p:spPr/>
+        <p:txBody>
+          <a:bodyPr/>
+          <a:lstStyle/>
+          <a:p>
+            <a:pPr eaLnBrk="1" hangingPunct="1"/>
+            <a:r>
+              <a:rPr lang="en-GB" dirty="0"/>
+              <a:t>Exception arguments</a:t>
+            </a:r>
+          </a:p>
+        </p:txBody>
+      </p:sp>
+      <p:sp>
+        <p:nvSpPr>
+          <p:cNvPr id="11268" name="Text Box 4"/>
+          <p:cNvSpPr txBox="1">
+            <a:spLocks noChangeArrowheads="1"/>
+          </p:cNvSpPr>
+          <p:nvPr/>
+        </p:nvSpPr>
+        <p:spPr bwMode="auto">
+          <a:xfrm>
+            <a:off x="705730" y="3283012"/>
+            <a:ext cx="9941950" cy="1754326"/>
+          </a:xfrm>
+          <a:prstGeom prst="rect">
+            <a:avLst/>
+          </a:prstGeom>
+          <a:solidFill>
+            <a:schemeClr val="tx2">
+              <a:lumMod val="20000"/>
+              <a:lumOff val="80000"/>
+            </a:schemeClr>
+          </a:solidFill>
+          <a:ln w="9525">
+            <a:solidFill>
+              <a:schemeClr val="tx1"/>
+            </a:solidFill>
+            <a:miter lim="800000"/>
+            <a:headEnd/>
+            <a:tailEnd/>
+          </a:ln>
+          <a:effectLst>
+            <a:outerShdw blurRad="50800" dist="38100" dir="2700000" algn="tl" rotWithShape="0">
+              <a:prstClr val="black">
+                <a:alpha val="40000"/>
+              </a:prstClr>
+            </a:outerShdw>
+          </a:effectLst>
+        </p:spPr>
+        <p:txBody>
+          <a:bodyPr wrap="square">
+            <a:spAutoFit/>
+          </a:bodyPr>
+          <a:lstStyle>
+            <a:lvl1pPr>
+              <a:defRPr sz="1000">
+                <a:solidFill>
+                  <a:schemeClr val="tx1"/>
+                </a:solidFill>
+                <a:latin typeface="Arial" charset="0"/>
+              </a:defRPr>
+            </a:lvl1pPr>
+            <a:lvl2pPr marL="742950" indent="-285750">
+              <a:defRPr sz="1000">
+                <a:solidFill>
+                  <a:schemeClr val="tx1"/>
+                </a:solidFill>
+                <a:latin typeface="Arial" charset="0"/>
+              </a:defRPr>
+            </a:lvl2pPr>
+            <a:lvl3pPr marL="1143000" indent="-228600">
+              <a:defRPr sz="1000">
+                <a:solidFill>
+                  <a:schemeClr val="tx1"/>
+                </a:solidFill>
+                <a:latin typeface="Arial" charset="0"/>
+              </a:defRPr>
+            </a:lvl3pPr>
+            <a:lvl4pPr marL="1600200" indent="-228600">
+              <a:defRPr sz="1000">
+                <a:solidFill>
+                  <a:schemeClr val="tx1"/>
+                </a:solidFill>
+                <a:latin typeface="Arial" charset="0"/>
+              </a:defRPr>
+            </a:lvl4pPr>
+            <a:lvl5pPr marL="2057400" indent="-228600">
+              <a:defRPr sz="1000">
+                <a:solidFill>
+                  <a:schemeClr val="tx1"/>
+                </a:solidFill>
+                <a:latin typeface="Arial" charset="0"/>
+              </a:defRPr>
+            </a:lvl5pPr>
+            <a:lvl6pPr marL="2514600" indent="-228600" eaLnBrk="0" fontAlgn="base" hangingPunct="0">
+              <a:spcBef>
+                <a:spcPct val="50000"/>
+              </a:spcBef>
+              <a:spcAft>
+                <a:spcPct val="0"/>
+              </a:spcAft>
+              <a:defRPr sz="1000">
+                <a:solidFill>
+                  <a:schemeClr val="tx1"/>
+                </a:solidFill>
+                <a:latin typeface="Arial" charset="0"/>
+              </a:defRPr>
+            </a:lvl6pPr>
+            <a:lvl7pPr marL="2971800" indent="-228600" eaLnBrk="0" fontAlgn="base" hangingPunct="0">
+              <a:spcBef>
+                <a:spcPct val="50000"/>
+              </a:spcBef>
+              <a:spcAft>
+                <a:spcPct val="0"/>
+              </a:spcAft>
+              <a:defRPr sz="1000">
+                <a:solidFill>
+                  <a:schemeClr val="tx1"/>
+                </a:solidFill>
+                <a:latin typeface="Arial" charset="0"/>
+              </a:defRPr>
+            </a:lvl7pPr>
+            <a:lvl8pPr marL="3429000" indent="-228600" eaLnBrk="0" fontAlgn="base" hangingPunct="0">
+              <a:spcBef>
+                <a:spcPct val="50000"/>
+              </a:spcBef>
+              <a:spcAft>
+                <a:spcPct val="0"/>
+              </a:spcAft>
+              <a:defRPr sz="1000">
+                <a:solidFill>
+                  <a:schemeClr val="tx1"/>
+                </a:solidFill>
+                <a:latin typeface="Arial" charset="0"/>
+              </a:defRPr>
+            </a:lvl8pPr>
+            <a:lvl9pPr marL="3886200" indent="-228600" eaLnBrk="0" fontAlgn="base" hangingPunct="0">
+              <a:spcBef>
+                <a:spcPct val="50000"/>
+              </a:spcBef>
+              <a:spcAft>
+                <a:spcPct val="0"/>
+              </a:spcAft>
+              <a:defRPr sz="1000">
+                <a:solidFill>
+                  <a:schemeClr val="tx1"/>
+                </a:solidFill>
+                <a:latin typeface="Arial" charset="0"/>
+              </a:defRPr>
+            </a:lvl9pPr>
+          </a:lstStyle>
+          <a:p>
             <a:pPr>
               <a:spcBef>
                 <a:spcPct val="0"/>
@@ -40285,6 +40745,51 @@
               </a:rPr>
               <a:t>    print("Could not open", </a:t>
             </a:r>
+            <a:r>
+              <a:rPr lang="en-GB" sz="1800" b="1" dirty="0" err="1">
+                <a:latin typeface="Courier New" panose="02070309020205020404" pitchFamily="49" charset="0"/>
+              </a:rPr>
+              <a:t>err.filename</a:t>
+            </a:r>
+            <a:r>
+              <a:rPr lang="en-GB" sz="1800" dirty="0">
+                <a:latin typeface="Courier New" panose="02070309020205020404" pitchFamily="49" charset="0"/>
+              </a:rPr>
+              <a:t>, </a:t>
+            </a:r>
+            <a:r>
+              <a:rPr lang="en-GB" sz="1800" b="1" dirty="0" err="1">
+                <a:latin typeface="Courier New" panose="02070309020205020404" pitchFamily="49" charset="0"/>
+              </a:rPr>
+              <a:t>err.args</a:t>
+            </a:r>
+            <a:r>
+              <a:rPr lang="en-GB" sz="1800" b="1" dirty="0">
+                <a:latin typeface="Courier New" panose="02070309020205020404" pitchFamily="49" charset="0"/>
+              </a:rPr>
+              <a:t>[1]</a:t>
+            </a:r>
+            <a:r>
+              <a:rPr lang="en-GB" sz="1800" dirty="0">
+                <a:latin typeface="Courier New" panose="02070309020205020404" pitchFamily="49" charset="0"/>
+              </a:rPr>
+              <a:t>, file=</a:t>
+            </a:r>
+            <a:r>
+              <a:rPr lang="en-GB" sz="1800" dirty="0" err="1">
+                <a:latin typeface="Courier New" panose="02070309020205020404" pitchFamily="49" charset="0"/>
+              </a:rPr>
+              <a:t>sys.stderr</a:t>
+            </a:r>
+            <a:r>
+              <a:rPr lang="en-GB" sz="1800" dirty="0">
+                <a:latin typeface="Courier New" panose="02070309020205020404" pitchFamily="49" charset="0"/>
+              </a:rPr>
+              <a:t>)</a:t>
+            </a:r>
+            <a:endParaRPr lang="en-GB" sz="800" dirty="0">
+              <a:latin typeface="Courier New" panose="02070309020205020404" pitchFamily="49" charset="0"/>
+            </a:endParaRPr>
           </a:p>
           <a:p>
             <a:pPr>
@@ -40296,87 +40801,6 @@
               <a:rPr lang="en-GB" sz="1800" dirty="0">
                 <a:latin typeface="Courier New" panose="02070309020205020404" pitchFamily="49" charset="0"/>
               </a:rPr>
-              <a:t>          </a:t>
-            </a:r>
-            <a:r>
-              <a:rPr lang="en-GB" sz="1800" b="1" dirty="0" err="1">
-                <a:latin typeface="Courier New" panose="02070309020205020404" pitchFamily="49" charset="0"/>
-              </a:rPr>
-              <a:t>err.filename</a:t>
-            </a:r>
-            <a:r>
-              <a:rPr lang="en-GB" sz="1800" dirty="0">
-                <a:latin typeface="Courier New" panose="02070309020205020404" pitchFamily="49" charset="0"/>
-              </a:rPr>
-              <a:t>, </a:t>
-            </a:r>
-            <a:r>
-              <a:rPr lang="en-GB" sz="1800" b="1" dirty="0" err="1">
-                <a:latin typeface="Courier New" panose="02070309020205020404" pitchFamily="49" charset="0"/>
-              </a:rPr>
-              <a:t>err.args</a:t>
-            </a:r>
-            <a:r>
-              <a:rPr lang="en-GB" sz="1800" b="1" dirty="0">
-                <a:latin typeface="Courier New" panose="02070309020205020404" pitchFamily="49" charset="0"/>
-              </a:rPr>
-              <a:t>[1]</a:t>
-            </a:r>
-            <a:r>
-              <a:rPr lang="en-GB" sz="1800" dirty="0">
-                <a:latin typeface="Courier New" panose="02070309020205020404" pitchFamily="49" charset="0"/>
-              </a:rPr>
-              <a:t>,</a:t>
-            </a:r>
-          </a:p>
-          <a:p>
-            <a:pPr>
-              <a:spcBef>
-                <a:spcPct val="0"/>
-              </a:spcBef>
-            </a:pPr>
-            <a:r>
-              <a:rPr lang="en-GB" sz="1800" dirty="0">
-                <a:latin typeface="Courier New" panose="02070309020205020404" pitchFamily="49" charset="0"/>
-              </a:rPr>
-              <a:t>          file=</a:t>
-            </a:r>
-            <a:r>
-              <a:rPr lang="en-GB" sz="1800" dirty="0" err="1">
-                <a:latin typeface="Courier New" panose="02070309020205020404" pitchFamily="49" charset="0"/>
-              </a:rPr>
-              <a:t>sys.stderr</a:t>
-            </a:r>
-            <a:r>
-              <a:rPr lang="en-GB" sz="1800" dirty="0">
-                <a:latin typeface="Courier New" panose="02070309020205020404" pitchFamily="49" charset="0"/>
-              </a:rPr>
-              <a:t>)</a:t>
-            </a:r>
-          </a:p>
-          <a:p>
-            <a:pPr>
-              <a:spcBef>
-                <a:spcPct val="0"/>
-              </a:spcBef>
-            </a:pPr>
-            <a:r>
-              <a:rPr lang="en-GB" sz="800" dirty="0">
-                <a:latin typeface="Courier New" panose="02070309020205020404" pitchFamily="49" charset="0"/>
-              </a:rPr>
-              <a:t>           </a:t>
-            </a:r>
-          </a:p>
-          <a:p>
-            <a:pPr>
-              <a:spcBef>
-                <a:spcPct val="0"/>
-              </a:spcBef>
-            </a:pPr>
-            <a:r>
-              <a:rPr lang="en-GB" sz="1800" dirty="0">
-                <a:latin typeface="Courier New" panose="02070309020205020404" pitchFamily="49" charset="0"/>
-              </a:rPr>
               <a:t>    print("Exception arguments:", </a:t>
             </a:r>
             <a:r>
@@ -40389,20 +40813,7 @@
               <a:rPr lang="en-GB" sz="1800" dirty="0">
                 <a:latin typeface="Courier New" panose="02070309020205020404" pitchFamily="49" charset="0"/>
               </a:rPr>
-              <a:t>,</a:t>
-            </a:r>
-          </a:p>
-          <a:p>
-            <a:pPr>
-              <a:spcBef>
-                <a:spcPct val="0"/>
-              </a:spcBef>
-            </a:pPr>
-            <a:r>
-              <a:rPr lang="en-GB" sz="1800" dirty="0">
-                <a:latin typeface="Courier New" panose="02070309020205020404" pitchFamily="49" charset="0"/>
-              </a:rPr>
-              <a:t>          file=</a:t>
+              <a:t>, file=</a:t>
             </a:r>
             <a:r>
               <a:rPr lang="en-GB" sz="1800" dirty="0" err="1">
@@ -40429,7 +40840,7 @@
         </p:nvSpPr>
         <p:spPr bwMode="auto">
           <a:xfrm>
-            <a:off x="339971" y="6176215"/>
+            <a:off x="3975418" y="5195666"/>
             <a:ext cx="6672262" cy="590550"/>
           </a:xfrm>
           <a:prstGeom prst="rect">
@@ -40446,6 +40857,13 @@
             <a:headEnd/>
             <a:tailEnd/>
           </a:ln>
+          <a:effectLst>
+            <a:outerShdw blurRad="50800" dist="38100" dir="2700000" algn="tl" rotWithShape="0">
+              <a:prstClr val="black">
+                <a:alpha val="40000"/>
+              </a:prstClr>
+            </a:outerShdw>
+          </a:effectLst>
         </p:spPr>
         <p:txBody>
           <a:bodyPr wrap="none">
@@ -41404,9 +41822,19 @@
 </file>
 
 <file path=customXml/item1.xml><?xml version="1.0" encoding="utf-8"?>
-<ct:contentTypeSchema xmlns:ct="http://schemas.microsoft.com/office/2006/metadata/contentType" xmlns:ma="http://schemas.microsoft.com/office/2006/metadata/properties/metaAttributes" ct:_="" ma:_="" ma:contentTypeName="Document" ma:contentTypeID="0x01010047C9319921AB5D48A79C1CDD69F0ADEE" ma:contentTypeVersion="3" ma:contentTypeDescription="Create a new document." ma:contentTypeScope="" ma:versionID="3811da7f776029654eee27a03d178620">
-  <xsd:schema xmlns:xsd="http://www.w3.org/2001/XMLSchema" xmlns:xs="http://www.w3.org/2001/XMLSchema" xmlns:p="http://schemas.microsoft.com/office/2006/metadata/properties" xmlns:ns2="321e98e5-056b-4fbc-983d-5776ac277f1c" targetNamespace="http://schemas.microsoft.com/office/2006/metadata/properties" ma:root="true" ma:fieldsID="a8d54852964f38499b947f151e317ae7" ns2:_="">
+<?mso-contentType ?>
+<FormTemplates xmlns="http://schemas.microsoft.com/sharepoint/v3/contenttype/forms">
+  <Display>DocumentLibraryForm</Display>
+  <Edit>DocumentLibraryForm</Edit>
+  <New>DocumentLibraryForm</New>
+</FormTemplates>
+</file>
+
+<file path=customXml/item2.xml><?xml version="1.0" encoding="utf-8"?>
+<ct:contentTypeSchema xmlns:ct="http://schemas.microsoft.com/office/2006/metadata/contentType" xmlns:ma="http://schemas.microsoft.com/office/2006/metadata/properties/metaAttributes" ct:_="" ma:_="" ma:contentTypeName="Document" ma:contentTypeID="0x01010047C9319921AB5D48A79C1CDD69F0ADEE" ma:contentTypeVersion="5" ma:contentTypeDescription="Create a new document." ma:contentTypeScope="" ma:versionID="1c86e08ee19a558daabb270f47811a89">
+  <xsd:schema xmlns:xsd="http://www.w3.org/2001/XMLSchema" xmlns:xs="http://www.w3.org/2001/XMLSchema" xmlns:p="http://schemas.microsoft.com/office/2006/metadata/properties" xmlns:ns2="321e98e5-056b-4fbc-983d-5776ac277f1c" xmlns:ns3="8706a4e6-e72b-4885-96ed-b92b99fed295" targetNamespace="http://schemas.microsoft.com/office/2006/metadata/properties" ma:root="true" ma:fieldsID="451e2ea32cc94e31a40865bb33ac54ea" ns2:_="" ns3:_="">
     <xsd:import namespace="321e98e5-056b-4fbc-983d-5776ac277f1c"/>
+    <xsd:import namespace="8706a4e6-e72b-4885-96ed-b92b99fed295"/>
     <xsd:element name="properties">
       <xsd:complexType>
         <xsd:sequence>
@@ -41416,6 +41844,8 @@
                 <xsd:element ref="ns2:MediaServiceMetadata" minOccurs="0"/>
                 <xsd:element ref="ns2:MediaServiceFastMetadata" minOccurs="0"/>
                 <xsd:element ref="ns2:MediaServiceObjectDetectorVersions" minOccurs="0"/>
+                <xsd:element ref="ns3:SharedWithUsers" minOccurs="0"/>
+                <xsd:element ref="ns3:SharedWithDetails" minOccurs="0"/>
               </xsd:all>
             </xsd:complexType>
           </xsd:element>
@@ -41439,6 +41869,36 @@
     <xsd:element name="MediaServiceObjectDetectorVersions" ma:index="10" nillable="true" ma:displayName="MediaServiceObjectDetectorVersions" ma:hidden="true" ma:indexed="true" ma:internalName="MediaServiceObjectDetectorVersions" ma:readOnly="true">
       <xsd:simpleType>
         <xsd:restriction base="dms:Text"/>
+      </xsd:simpleType>
+    </xsd:element>
+  </xsd:schema>
+  <xsd:schema xmlns:xsd="http://www.w3.org/2001/XMLSchema" xmlns:xs="http://www.w3.org/2001/XMLSchema" xmlns:dms="http://schemas.microsoft.com/office/2006/documentManagement/types" xmlns:pc="http://schemas.microsoft.com/office/infopath/2007/PartnerControls" targetNamespace="8706a4e6-e72b-4885-96ed-b92b99fed295" elementFormDefault="qualified">
+    <xsd:import namespace="http://schemas.microsoft.com/office/2006/documentManagement/types"/>
+    <xsd:import namespace="http://schemas.microsoft.com/office/infopath/2007/PartnerControls"/>
+    <xsd:element name="SharedWithUsers" ma:index="11" nillable="true" ma:displayName="Shared With" ma:internalName="SharedWithUsers" ma:readOnly="true">
+      <xsd:complexType>
+        <xsd:complexContent>
+          <xsd:extension base="dms:UserMulti">
+            <xsd:sequence>
+              <xsd:element name="UserInfo" minOccurs="0" maxOccurs="unbounded">
+                <xsd:complexType>
+                  <xsd:sequence>
+                    <xsd:element name="DisplayName" type="xsd:string" minOccurs="0"/>
+                    <xsd:element name="AccountId" type="dms:UserId" minOccurs="0" nillable="true"/>
+                    <xsd:element name="AccountType" type="xsd:string" minOccurs="0"/>
+                  </xsd:sequence>
+                </xsd:complexType>
+              </xsd:element>
+            </xsd:sequence>
+          </xsd:extension>
+        </xsd:complexContent>
+      </xsd:complexType>
+    </xsd:element>
+    <xsd:element name="SharedWithDetails" ma:index="12" nillable="true" ma:displayName="Shared With Details" ma:internalName="SharedWithDetails" ma:readOnly="true">
+      <xsd:simpleType>
+        <xsd:restriction base="dms:Note">
+          <xsd:maxLength value="255"/>
+        </xsd:restriction>
       </xsd:simpleType>
     </xsd:element>
   </xsd:schema>
@@ -41541,38 +42001,44 @@
 </ct:contentTypeSchema>
 </file>
 
-<file path=customXml/item2.xml><?xml version="1.0" encoding="utf-8"?>
+<file path=customXml/item3.xml><?xml version="1.0" encoding="utf-8"?>
 <p:properties xmlns:p="http://schemas.microsoft.com/office/2006/metadata/properties" xmlns:xsi="http://www.w3.org/2001/XMLSchema-instance" xmlns:pc="http://schemas.microsoft.com/office/infopath/2007/PartnerControls">
   <documentManagement/>
 </p:properties>
 </file>
 
-<file path=customXml/item3.xml><?xml version="1.0" encoding="utf-8"?>
-<?mso-contentType ?>
-<FormTemplates xmlns="http://schemas.microsoft.com/sharepoint/v3/contenttype/forms">
-  <Display>DocumentLibraryForm</Display>
-  <Edit>DocumentLibraryForm</Edit>
-  <New>DocumentLibraryForm</New>
-</FormTemplates>
-</file>
-
 <file path=customXml/itemProps1.xml><?xml version="1.0" encoding="utf-8"?>
-<ds:datastoreItem xmlns:ds="http://schemas.openxmlformats.org/officeDocument/2006/customXml" ds:itemID="{44311DBC-F14C-4723-BB8C-2F2A4CA2129D}"/>
+<ds:datastoreItem xmlns:ds="http://schemas.openxmlformats.org/officeDocument/2006/customXml" ds:itemID="{D972EEB5-179A-4BC9-93F5-FB5A5B04B10F}">
+  <ds:schemaRefs>
+    <ds:schemaRef ds:uri="http://schemas.microsoft.com/sharepoint/v3/contenttype/forms"/>
+  </ds:schemaRefs>
+</ds:datastoreItem>
 </file>
 
 <file path=customXml/itemProps2.xml><?xml version="1.0" encoding="utf-8"?>
+<ds:datastoreItem xmlns:ds="http://schemas.openxmlformats.org/officeDocument/2006/customXml" ds:itemID="{F7C7BBAE-0458-4D93-B501-B818D51B82F2}">
+  <ds:schemaRefs>
+    <ds:schemaRef ds:uri="http://schemas.microsoft.com/office/2006/metadata/contentType"/>
+    <ds:schemaRef ds:uri="http://schemas.microsoft.com/office/2006/metadata/properties/metaAttributes"/>
+    <ds:schemaRef ds:uri="http://www.w3.org/2001/XMLSchema"/>
+    <ds:schemaRef ds:uri="http://schemas.microsoft.com/office/2006/metadata/properties"/>
+    <ds:schemaRef ds:uri="321e98e5-056b-4fbc-983d-5776ac277f1c"/>
+    <ds:schemaRef ds:uri="8706a4e6-e72b-4885-96ed-b92b99fed295"/>
+    <ds:schemaRef ds:uri="http://schemas.microsoft.com/office/2006/documentManagement/types"/>
+    <ds:schemaRef ds:uri="http://schemas.microsoft.com/office/infopath/2007/PartnerControls"/>
+    <ds:schemaRef ds:uri="http://schemas.openxmlformats.org/package/2006/metadata/core-properties"/>
+    <ds:schemaRef ds:uri="http://purl.org/dc/elements/1.1/"/>
+    <ds:schemaRef ds:uri="http://purl.org/dc/terms/"/>
+    <ds:schemaRef ds:uri="http://schemas.microsoft.com/internal/obd"/>
+  </ds:schemaRefs>
+</ds:datastoreItem>
+</file>
+
+<file path=customXml/itemProps3.xml><?xml version="1.0" encoding="utf-8"?>
 <ds:datastoreItem xmlns:ds="http://schemas.openxmlformats.org/officeDocument/2006/customXml" ds:itemID="{57D537EB-8EF6-41C9-BCEE-A6A965CAD1E1}">
   <ds:schemaRefs>
     <ds:schemaRef ds:uri="http://schemas.microsoft.com/office/2006/metadata/properties"/>
     <ds:schemaRef ds:uri="http://schemas.microsoft.com/office/infopath/2007/PartnerControls"/>
   </ds:schemaRefs>
 </ds:datastoreItem>
-</file>
-
-<file path=customXml/itemProps3.xml><?xml version="1.0" encoding="utf-8"?>
-<ds:datastoreItem xmlns:ds="http://schemas.openxmlformats.org/officeDocument/2006/customXml" ds:itemID="{D972EEB5-179A-4BC9-93F5-FB5A5B04B10F}">
-  <ds:schemaRefs>
-    <ds:schemaRef ds:uri="http://schemas.microsoft.com/sharepoint/v3/contenttype/forms"/>
-  </ds:schemaRefs>
-</ds:datastoreItem>
 </file>